--- a/doc/Walter Documentation.pptx
+++ b/doc/Walter Documentation.pptx
@@ -214,7 +214,7 @@
           <a:p>
             <a:fld id="{24CAD8AF-FB06-4225-9C3C-63F205CE0062}" type="datetimeFigureOut">
               <a:rPr lang="de-DE" smtClean="0"/>
-              <a:t>27.08.2016</a:t>
+              <a:t>21.11.2016</a:t>
             </a:fld>
             <a:endParaRPr lang="de-DE"/>
           </a:p>
@@ -831,7 +831,7 @@
           <a:p>
             <a:fld id="{1BA50D42-C9CD-4801-B293-61D1F53EC57E}" type="datetimeFigureOut">
               <a:rPr lang="de-DE" smtClean="0"/>
-              <a:t>27.08.2016</a:t>
+              <a:t>21.11.2016</a:t>
             </a:fld>
             <a:endParaRPr lang="de-DE"/>
           </a:p>
@@ -996,7 +996,7 @@
           <a:p>
             <a:fld id="{1BA50D42-C9CD-4801-B293-61D1F53EC57E}" type="datetimeFigureOut">
               <a:rPr lang="de-DE" smtClean="0"/>
-              <a:t>27.08.2016</a:t>
+              <a:t>21.11.2016</a:t>
             </a:fld>
             <a:endParaRPr lang="de-DE"/>
           </a:p>
@@ -1171,7 +1171,7 @@
           <a:p>
             <a:fld id="{1BA50D42-C9CD-4801-B293-61D1F53EC57E}" type="datetimeFigureOut">
               <a:rPr lang="de-DE" smtClean="0"/>
-              <a:t>27.08.2016</a:t>
+              <a:t>21.11.2016</a:t>
             </a:fld>
             <a:endParaRPr lang="de-DE"/>
           </a:p>
@@ -1336,7 +1336,7 @@
           <a:p>
             <a:fld id="{1BA50D42-C9CD-4801-B293-61D1F53EC57E}" type="datetimeFigureOut">
               <a:rPr lang="de-DE" smtClean="0"/>
-              <a:t>27.08.2016</a:t>
+              <a:t>21.11.2016</a:t>
             </a:fld>
             <a:endParaRPr lang="de-DE"/>
           </a:p>
@@ -1577,7 +1577,7 @@
           <a:p>
             <a:fld id="{1BA50D42-C9CD-4801-B293-61D1F53EC57E}" type="datetimeFigureOut">
               <a:rPr lang="de-DE" smtClean="0"/>
-              <a:t>27.08.2016</a:t>
+              <a:t>21.11.2016</a:t>
             </a:fld>
             <a:endParaRPr lang="de-DE"/>
           </a:p>
@@ -1860,7 +1860,7 @@
           <a:p>
             <a:fld id="{1BA50D42-C9CD-4801-B293-61D1F53EC57E}" type="datetimeFigureOut">
               <a:rPr lang="de-DE" smtClean="0"/>
-              <a:t>27.08.2016</a:t>
+              <a:t>21.11.2016</a:t>
             </a:fld>
             <a:endParaRPr lang="de-DE"/>
           </a:p>
@@ -2277,7 +2277,7 @@
           <a:p>
             <a:fld id="{1BA50D42-C9CD-4801-B293-61D1F53EC57E}" type="datetimeFigureOut">
               <a:rPr lang="de-DE" smtClean="0"/>
-              <a:t>27.08.2016</a:t>
+              <a:t>21.11.2016</a:t>
             </a:fld>
             <a:endParaRPr lang="de-DE"/>
           </a:p>
@@ -2390,7 +2390,7 @@
           <a:p>
             <a:fld id="{1BA50D42-C9CD-4801-B293-61D1F53EC57E}" type="datetimeFigureOut">
               <a:rPr lang="de-DE" smtClean="0"/>
-              <a:t>27.08.2016</a:t>
+              <a:t>21.11.2016</a:t>
             </a:fld>
             <a:endParaRPr lang="de-DE"/>
           </a:p>
@@ -2480,7 +2480,7 @@
           <a:p>
             <a:fld id="{1BA50D42-C9CD-4801-B293-61D1F53EC57E}" type="datetimeFigureOut">
               <a:rPr lang="de-DE" smtClean="0"/>
-              <a:t>27.08.2016</a:t>
+              <a:t>21.11.2016</a:t>
             </a:fld>
             <a:endParaRPr lang="de-DE"/>
           </a:p>
@@ -2752,7 +2752,7 @@
           <a:p>
             <a:fld id="{1BA50D42-C9CD-4801-B293-61D1F53EC57E}" type="datetimeFigureOut">
               <a:rPr lang="de-DE" smtClean="0"/>
-              <a:t>27.08.2016</a:t>
+              <a:t>21.11.2016</a:t>
             </a:fld>
             <a:endParaRPr lang="de-DE"/>
           </a:p>
@@ -3000,7 +3000,7 @@
           <a:p>
             <a:fld id="{1BA50D42-C9CD-4801-B293-61D1F53EC57E}" type="datetimeFigureOut">
               <a:rPr lang="de-DE" smtClean="0"/>
-              <a:t>27.08.2016</a:t>
+              <a:t>21.11.2016</a:t>
             </a:fld>
             <a:endParaRPr lang="de-DE"/>
           </a:p>
@@ -3208,7 +3208,7 @@
           <a:p>
             <a:fld id="{1BA50D42-C9CD-4801-B293-61D1F53EC57E}" type="datetimeFigureOut">
               <a:rPr lang="de-DE" smtClean="0"/>
-              <a:t>27.08.2016</a:t>
+              <a:t>21.11.2016</a:t>
             </a:fld>
             <a:endParaRPr lang="de-DE"/>
           </a:p>
@@ -3600,8 +3600,8 @@
           </p:nvSpPr>
           <p:spPr>
             <a:xfrm>
-              <a:off x="3347864" y="4325170"/>
-              <a:ext cx="2717732" cy="769441"/>
+              <a:off x="3404426" y="4325170"/>
+              <a:ext cx="2525050" cy="769441"/>
             </a:xfrm>
             <a:prstGeom prst="rect">
               <a:avLst/>
@@ -3618,7 +3618,7 @@
                 <a:rPr lang="de-DE" sz="4400" dirty="0" smtClean="0">
                   <a:latin typeface="Arial Rounded MT Bold" panose="020F0704030504030204" pitchFamily="34" charset="0"/>
                 </a:rPr>
-                <a:t>BAD BOT</a:t>
+                <a:t>WALTER</a:t>
               </a:r>
               <a:endParaRPr lang="de-DE" sz="4400" dirty="0">
                 <a:latin typeface="Arial Rounded MT Bold" panose="020F0704030504030204" pitchFamily="34" charset="0"/>

--- a/doc/Walter Documentation.pptx
+++ b/doc/Walter Documentation.pptx
@@ -214,7 +214,7 @@
           <a:p>
             <a:fld id="{24CAD8AF-FB06-4225-9C3C-63F205CE0062}" type="datetimeFigureOut">
               <a:rPr lang="de-DE" smtClean="0"/>
-              <a:t>21.11.2016</a:t>
+              <a:t>24.12.2016</a:t>
             </a:fld>
             <a:endParaRPr lang="de-DE"/>
           </a:p>
@@ -831,7 +831,7 @@
           <a:p>
             <a:fld id="{1BA50D42-C9CD-4801-B293-61D1F53EC57E}" type="datetimeFigureOut">
               <a:rPr lang="de-DE" smtClean="0"/>
-              <a:t>21.11.2016</a:t>
+              <a:t>24.12.2016</a:t>
             </a:fld>
             <a:endParaRPr lang="de-DE"/>
           </a:p>
@@ -996,7 +996,7 @@
           <a:p>
             <a:fld id="{1BA50D42-C9CD-4801-B293-61D1F53EC57E}" type="datetimeFigureOut">
               <a:rPr lang="de-DE" smtClean="0"/>
-              <a:t>21.11.2016</a:t>
+              <a:t>24.12.2016</a:t>
             </a:fld>
             <a:endParaRPr lang="de-DE"/>
           </a:p>
@@ -1171,7 +1171,7 @@
           <a:p>
             <a:fld id="{1BA50D42-C9CD-4801-B293-61D1F53EC57E}" type="datetimeFigureOut">
               <a:rPr lang="de-DE" smtClean="0"/>
-              <a:t>21.11.2016</a:t>
+              <a:t>24.12.2016</a:t>
             </a:fld>
             <a:endParaRPr lang="de-DE"/>
           </a:p>
@@ -1336,7 +1336,7 @@
           <a:p>
             <a:fld id="{1BA50D42-C9CD-4801-B293-61D1F53EC57E}" type="datetimeFigureOut">
               <a:rPr lang="de-DE" smtClean="0"/>
-              <a:t>21.11.2016</a:t>
+              <a:t>24.12.2016</a:t>
             </a:fld>
             <a:endParaRPr lang="de-DE"/>
           </a:p>
@@ -1577,7 +1577,7 @@
           <a:p>
             <a:fld id="{1BA50D42-C9CD-4801-B293-61D1F53EC57E}" type="datetimeFigureOut">
               <a:rPr lang="de-DE" smtClean="0"/>
-              <a:t>21.11.2016</a:t>
+              <a:t>24.12.2016</a:t>
             </a:fld>
             <a:endParaRPr lang="de-DE"/>
           </a:p>
@@ -1860,7 +1860,7 @@
           <a:p>
             <a:fld id="{1BA50D42-C9CD-4801-B293-61D1F53EC57E}" type="datetimeFigureOut">
               <a:rPr lang="de-DE" smtClean="0"/>
-              <a:t>21.11.2016</a:t>
+              <a:t>24.12.2016</a:t>
             </a:fld>
             <a:endParaRPr lang="de-DE"/>
           </a:p>
@@ -2277,7 +2277,7 @@
           <a:p>
             <a:fld id="{1BA50D42-C9CD-4801-B293-61D1F53EC57E}" type="datetimeFigureOut">
               <a:rPr lang="de-DE" smtClean="0"/>
-              <a:t>21.11.2016</a:t>
+              <a:t>24.12.2016</a:t>
             </a:fld>
             <a:endParaRPr lang="de-DE"/>
           </a:p>
@@ -2390,7 +2390,7 @@
           <a:p>
             <a:fld id="{1BA50D42-C9CD-4801-B293-61D1F53EC57E}" type="datetimeFigureOut">
               <a:rPr lang="de-DE" smtClean="0"/>
-              <a:t>21.11.2016</a:t>
+              <a:t>24.12.2016</a:t>
             </a:fld>
             <a:endParaRPr lang="de-DE"/>
           </a:p>
@@ -2480,7 +2480,7 @@
           <a:p>
             <a:fld id="{1BA50D42-C9CD-4801-B293-61D1F53EC57E}" type="datetimeFigureOut">
               <a:rPr lang="de-DE" smtClean="0"/>
-              <a:t>21.11.2016</a:t>
+              <a:t>24.12.2016</a:t>
             </a:fld>
             <a:endParaRPr lang="de-DE"/>
           </a:p>
@@ -2752,7 +2752,7 @@
           <a:p>
             <a:fld id="{1BA50D42-C9CD-4801-B293-61D1F53EC57E}" type="datetimeFigureOut">
               <a:rPr lang="de-DE" smtClean="0"/>
-              <a:t>21.11.2016</a:t>
+              <a:t>24.12.2016</a:t>
             </a:fld>
             <a:endParaRPr lang="de-DE"/>
           </a:p>
@@ -3000,7 +3000,7 @@
           <a:p>
             <a:fld id="{1BA50D42-C9CD-4801-B293-61D1F53EC57E}" type="datetimeFigureOut">
               <a:rPr lang="de-DE" smtClean="0"/>
-              <a:t>21.11.2016</a:t>
+              <a:t>24.12.2016</a:t>
             </a:fld>
             <a:endParaRPr lang="de-DE"/>
           </a:p>
@@ -3208,7 +3208,7 @@
           <a:p>
             <a:fld id="{1BA50D42-C9CD-4801-B293-61D1F53EC57E}" type="datetimeFigureOut">
               <a:rPr lang="de-DE" smtClean="0"/>
-              <a:t>21.11.2016</a:t>
+              <a:t>24.12.2016</a:t>
             </a:fld>
             <a:endParaRPr lang="de-DE"/>
           </a:p>
@@ -13245,19 +13245,16 @@
           <a:p>
             <a:pPr algn="ctr"/>
             <a:r>
-              <a:rPr lang="de-DE" sz="1050" dirty="0" err="1" smtClean="0">
-                <a:latin typeface="Segoe UI" panose="020B0502040204020203" pitchFamily="34" charset="0"/>
-                <a:cs typeface="Segoe UI" panose="020B0502040204020203" pitchFamily="34" charset="0"/>
-              </a:rPr>
-              <a:t>Atmega</a:t>
-            </a:r>
-            <a:r>
               <a:rPr lang="de-DE" sz="1050" dirty="0" smtClean="0">
                 <a:latin typeface="Segoe UI" panose="020B0502040204020203" pitchFamily="34" charset="0"/>
                 <a:cs typeface="Segoe UI" panose="020B0502040204020203" pitchFamily="34" charset="0"/>
               </a:rPr>
-              <a:t> 644</a:t>
-            </a:r>
+              <a:t>ARM CortexM4</a:t>
+            </a:r>
+            <a:endParaRPr lang="de-DE" sz="1050" dirty="0" smtClean="0">
+              <a:latin typeface="Segoe UI" panose="020B0502040204020203" pitchFamily="34" charset="0"/>
+              <a:cs typeface="Segoe UI" panose="020B0502040204020203" pitchFamily="34" charset="0"/>
+            </a:endParaRPr>
           </a:p>
           <a:p>
             <a:pPr algn="ctr"/>
@@ -15081,28 +15078,11 @@
           <a:p>
             <a:pPr algn="ctr"/>
             <a:r>
-              <a:rPr lang="de-DE" sz="1050" dirty="0" err="1" smtClean="0">
-                <a:latin typeface="Segoe UI" panose="020B0502040204020203" pitchFamily="34" charset="0"/>
-                <a:cs typeface="Segoe UI" panose="020B0502040204020203" pitchFamily="34" charset="0"/>
-              </a:rPr>
-              <a:t>Atmega</a:t>
-            </a:r>
-            <a:r>
               <a:rPr lang="de-DE" sz="1050" dirty="0" smtClean="0">
                 <a:latin typeface="Segoe UI" panose="020B0502040204020203" pitchFamily="34" charset="0"/>
                 <a:cs typeface="Segoe UI" panose="020B0502040204020203" pitchFamily="34" charset="0"/>
               </a:rPr>
-              <a:t> 644</a:t>
-            </a:r>
-          </a:p>
-          <a:p>
-            <a:pPr algn="ctr"/>
-            <a:r>
-              <a:rPr lang="de-DE" sz="1050" dirty="0" smtClean="0">
-                <a:latin typeface="Segoe UI" panose="020B0502040204020203" pitchFamily="34" charset="0"/>
-                <a:cs typeface="Segoe UI" panose="020B0502040204020203" pitchFamily="34" charset="0"/>
-              </a:rPr>
-              <a:t>Low </a:t>
+              <a:t>Arm Cortex M4 Low </a:t>
             </a:r>
             <a:r>
               <a:rPr lang="de-DE" sz="1050" dirty="0" err="1" smtClean="0">

--- a/doc/Walter Documentation.pptx
+++ b/doc/Walter Documentation.pptx
@@ -214,7 +214,7 @@
           <a:p>
             <a:fld id="{24CAD8AF-FB06-4225-9C3C-63F205CE0062}" type="datetimeFigureOut">
               <a:rPr lang="de-DE" smtClean="0"/>
-              <a:t>24.12.2016</a:t>
+              <a:t>09.01.2017</a:t>
             </a:fld>
             <a:endParaRPr lang="de-DE"/>
           </a:p>
@@ -831,7 +831,7 @@
           <a:p>
             <a:fld id="{1BA50D42-C9CD-4801-B293-61D1F53EC57E}" type="datetimeFigureOut">
               <a:rPr lang="de-DE" smtClean="0"/>
-              <a:t>24.12.2016</a:t>
+              <a:t>09.01.2017</a:t>
             </a:fld>
             <a:endParaRPr lang="de-DE"/>
           </a:p>
@@ -996,7 +996,7 @@
           <a:p>
             <a:fld id="{1BA50D42-C9CD-4801-B293-61D1F53EC57E}" type="datetimeFigureOut">
               <a:rPr lang="de-DE" smtClean="0"/>
-              <a:t>24.12.2016</a:t>
+              <a:t>09.01.2017</a:t>
             </a:fld>
             <a:endParaRPr lang="de-DE"/>
           </a:p>
@@ -1171,7 +1171,7 @@
           <a:p>
             <a:fld id="{1BA50D42-C9CD-4801-B293-61D1F53EC57E}" type="datetimeFigureOut">
               <a:rPr lang="de-DE" smtClean="0"/>
-              <a:t>24.12.2016</a:t>
+              <a:t>09.01.2017</a:t>
             </a:fld>
             <a:endParaRPr lang="de-DE"/>
           </a:p>
@@ -1336,7 +1336,7 @@
           <a:p>
             <a:fld id="{1BA50D42-C9CD-4801-B293-61D1F53EC57E}" type="datetimeFigureOut">
               <a:rPr lang="de-DE" smtClean="0"/>
-              <a:t>24.12.2016</a:t>
+              <a:t>09.01.2017</a:t>
             </a:fld>
             <a:endParaRPr lang="de-DE"/>
           </a:p>
@@ -1577,7 +1577,7 @@
           <a:p>
             <a:fld id="{1BA50D42-C9CD-4801-B293-61D1F53EC57E}" type="datetimeFigureOut">
               <a:rPr lang="de-DE" smtClean="0"/>
-              <a:t>24.12.2016</a:t>
+              <a:t>09.01.2017</a:t>
             </a:fld>
             <a:endParaRPr lang="de-DE"/>
           </a:p>
@@ -1860,7 +1860,7 @@
           <a:p>
             <a:fld id="{1BA50D42-C9CD-4801-B293-61D1F53EC57E}" type="datetimeFigureOut">
               <a:rPr lang="de-DE" smtClean="0"/>
-              <a:t>24.12.2016</a:t>
+              <a:t>09.01.2017</a:t>
             </a:fld>
             <a:endParaRPr lang="de-DE"/>
           </a:p>
@@ -2277,7 +2277,7 @@
           <a:p>
             <a:fld id="{1BA50D42-C9CD-4801-B293-61D1F53EC57E}" type="datetimeFigureOut">
               <a:rPr lang="de-DE" smtClean="0"/>
-              <a:t>24.12.2016</a:t>
+              <a:t>09.01.2017</a:t>
             </a:fld>
             <a:endParaRPr lang="de-DE"/>
           </a:p>
@@ -2390,7 +2390,7 @@
           <a:p>
             <a:fld id="{1BA50D42-C9CD-4801-B293-61D1F53EC57E}" type="datetimeFigureOut">
               <a:rPr lang="de-DE" smtClean="0"/>
-              <a:t>24.12.2016</a:t>
+              <a:t>09.01.2017</a:t>
             </a:fld>
             <a:endParaRPr lang="de-DE"/>
           </a:p>
@@ -2480,7 +2480,7 @@
           <a:p>
             <a:fld id="{1BA50D42-C9CD-4801-B293-61D1F53EC57E}" type="datetimeFigureOut">
               <a:rPr lang="de-DE" smtClean="0"/>
-              <a:t>24.12.2016</a:t>
+              <a:t>09.01.2017</a:t>
             </a:fld>
             <a:endParaRPr lang="de-DE"/>
           </a:p>
@@ -2752,7 +2752,7 @@
           <a:p>
             <a:fld id="{1BA50D42-C9CD-4801-B293-61D1F53EC57E}" type="datetimeFigureOut">
               <a:rPr lang="de-DE" smtClean="0"/>
-              <a:t>24.12.2016</a:t>
+              <a:t>09.01.2017</a:t>
             </a:fld>
             <a:endParaRPr lang="de-DE"/>
           </a:p>
@@ -3000,7 +3000,7 @@
           <a:p>
             <a:fld id="{1BA50D42-C9CD-4801-B293-61D1F53EC57E}" type="datetimeFigureOut">
               <a:rPr lang="de-DE" smtClean="0"/>
-              <a:t>24.12.2016</a:t>
+              <a:t>09.01.2017</a:t>
             </a:fld>
             <a:endParaRPr lang="de-DE"/>
           </a:p>
@@ -3208,7 +3208,7 @@
           <a:p>
             <a:fld id="{1BA50D42-C9CD-4801-B293-61D1F53EC57E}" type="datetimeFigureOut">
               <a:rPr lang="de-DE" smtClean="0"/>
-              <a:t>24.12.2016</a:t>
+              <a:t>09.01.2017</a:t>
             </a:fld>
             <a:endParaRPr lang="de-DE"/>
           </a:p>
@@ -6527,8 +6527,8 @@
           </p:nvSpPr>
           <p:spPr>
             <a:xfrm>
-              <a:off x="4002147" y="3944475"/>
-              <a:ext cx="1444626" cy="1077218"/>
+              <a:off x="3910776" y="4174669"/>
+              <a:ext cx="1627369" cy="486287"/>
             </a:xfrm>
             <a:prstGeom prst="rect">
               <a:avLst/>
@@ -6547,23 +6547,12 @@
                 </a:lnSpc>
               </a:pPr>
               <a:r>
-                <a:rPr lang="de-DE" sz="4000" b="1" dirty="0" smtClean="0">
+                <a:rPr lang="de-DE" sz="3200" b="1" dirty="0" smtClean="0">
                   <a:latin typeface="GOST Common" panose="020B0604020202020204" pitchFamily="34" charset="0"/>
                 </a:rPr>
-                <a:t>Bad</a:t>
+                <a:t>WALTER</a:t>
               </a:r>
-              <a:br>
-                <a:rPr lang="de-DE" sz="4000" b="1" dirty="0" smtClean="0">
-                  <a:latin typeface="GOST Common" panose="020B0604020202020204" pitchFamily="34" charset="0"/>
-                </a:rPr>
-              </a:br>
-              <a:r>
-                <a:rPr lang="de-DE" sz="4000" b="1" dirty="0" smtClean="0">
-                  <a:latin typeface="GOST Common" panose="020B0604020202020204" pitchFamily="34" charset="0"/>
-                </a:rPr>
-                <a:t>Robot</a:t>
-              </a:r>
-              <a:endParaRPr lang="de-DE" sz="4000" b="1" dirty="0">
+              <a:endParaRPr lang="de-DE" sz="3200" b="1" dirty="0">
                 <a:latin typeface="GOST Common" panose="020B0604020202020204" pitchFamily="34" charset="0"/>
               </a:endParaRPr>
             </a:p>
@@ -8883,7 +8872,7 @@
         <p:spPr>
           <a:xfrm>
             <a:off x="2972030" y="2221513"/>
-            <a:ext cx="891591" cy="461665"/>
+            <a:ext cx="939681" cy="461665"/>
           </a:xfrm>
           <a:prstGeom prst="rect">
             <a:avLst/>
@@ -8951,7 +8940,21 @@
                 <a:latin typeface="Segoe UI" panose="020B0502040204020203" pitchFamily="34" charset="0"/>
                 <a:cs typeface="Segoe UI" panose="020B0502040204020203" pitchFamily="34" charset="0"/>
               </a:rPr>
-              <a:t> at 20Hz </a:t>
+              <a:t> </a:t>
+            </a:r>
+            <a:r>
+              <a:rPr lang="de-DE" sz="800" smtClean="0">
+                <a:latin typeface="Segoe UI" panose="020B0502040204020203" pitchFamily="34" charset="0"/>
+                <a:cs typeface="Segoe UI" panose="020B0502040204020203" pitchFamily="34" charset="0"/>
+              </a:rPr>
+              <a:t>at </a:t>
+            </a:r>
+            <a:r>
+              <a:rPr lang="de-DE" sz="800" smtClean="0">
+                <a:latin typeface="Segoe UI" panose="020B0502040204020203" pitchFamily="34" charset="0"/>
+                <a:cs typeface="Segoe UI" panose="020B0502040204020203" pitchFamily="34" charset="0"/>
+              </a:rPr>
+              <a:t>200Hz </a:t>
             </a:r>
             <a:endParaRPr lang="de-DE" sz="800" dirty="0">
               <a:latin typeface="Segoe UI" panose="020B0502040204020203" pitchFamily="34" charset="0"/>
@@ -13251,10 +13254,6 @@
               </a:rPr>
               <a:t>ARM CortexM4</a:t>
             </a:r>
-            <a:endParaRPr lang="de-DE" sz="1050" dirty="0" smtClean="0">
-              <a:latin typeface="Segoe UI" panose="020B0502040204020203" pitchFamily="34" charset="0"/>
-              <a:cs typeface="Segoe UI" panose="020B0502040204020203" pitchFamily="34" charset="0"/>
-            </a:endParaRPr>
           </a:p>
           <a:p>
             <a:pPr algn="ctr"/>
@@ -14278,8 +14277,8 @@
         </p:nvSpPr>
         <p:spPr>
           <a:xfrm>
-            <a:off x="2984073" y="1634414"/>
-            <a:ext cx="1188317" cy="577081"/>
+            <a:off x="2728480" y="1634414"/>
+            <a:ext cx="1699504" cy="577081"/>
           </a:xfrm>
           <a:prstGeom prst="rect">
             <a:avLst/>
@@ -14307,25 +14306,30 @@
           </a:lstStyle>
           <a:p>
             <a:r>
-              <a:rPr lang="de-DE" dirty="0" err="1"/>
+              <a:rPr lang="de-DE" dirty="0" err="1" smtClean="0"/>
               <a:t>Trajectory</a:t>
             </a:r>
             <a:r>
-              <a:rPr lang="de-DE" dirty="0"/>
+              <a:rPr lang="de-DE" dirty="0" smtClean="0"/>
               <a:t> </a:t>
             </a:r>
-          </a:p>
-          <a:p>
-            <a:r>
-              <a:rPr lang="de-DE" dirty="0" err="1"/>
+            <a:r>
+              <a:rPr lang="de-DE" dirty="0" err="1" smtClean="0"/>
               <a:t>Execution</a:t>
             </a:r>
             <a:endParaRPr lang="de-DE" dirty="0"/>
           </a:p>
           <a:p>
             <a:r>
-              <a:rPr lang="de-DE" dirty="0" err="1"/>
+              <a:rPr lang="de-DE" dirty="0" err="1" smtClean="0"/>
               <a:t>Kinematics</a:t>
+            </a:r>
+            <a:endParaRPr lang="de-DE" dirty="0" smtClean="0"/>
+          </a:p>
+          <a:p>
+            <a:r>
+              <a:rPr lang="de-DE" dirty="0" smtClean="0"/>
+              <a:t>(Webserver)</a:t>
             </a:r>
             <a:endParaRPr lang="de-DE" dirty="0"/>
           </a:p>
@@ -14518,8 +14522,8 @@
         </p:nvSpPr>
         <p:spPr>
           <a:xfrm>
-            <a:off x="5292080" y="1682904"/>
-            <a:ext cx="1079877" cy="415498"/>
+            <a:off x="5236937" y="1682904"/>
+            <a:ext cx="1495303" cy="738664"/>
           </a:xfrm>
           <a:prstGeom prst="rect">
             <a:avLst/>
@@ -14536,7 +14540,6 @@
           </a:bodyPr>
           <a:lstStyle/>
           <a:p>
-            <a:pPr algn="ctr"/>
             <a:r>
               <a:rPr lang="de-DE" sz="1050" i="1" dirty="0" smtClean="0">
                 <a:latin typeface="Segoe UI" panose="020B0502040204020203" pitchFamily="34" charset="0"/>
@@ -14544,16 +14547,63 @@
               </a:rPr>
               <a:t>Angle </a:t>
             </a:r>
-          </a:p>
-          <a:p>
-            <a:pPr algn="ctr"/>
             <a:r>
               <a:rPr lang="de-DE" sz="1050" i="1" dirty="0" smtClean="0">
                 <a:latin typeface="Segoe UI" panose="020B0502040204020203" pitchFamily="34" charset="0"/>
                 <a:cs typeface="Segoe UI" panose="020B0502040204020203" pitchFamily="34" charset="0"/>
               </a:rPr>
-              <a:t>Interpolation</a:t>
-            </a:r>
+              <a:t>Interpolation,</a:t>
+            </a:r>
+          </a:p>
+          <a:p>
+            <a:r>
+              <a:rPr lang="de-DE" sz="1050" i="1" dirty="0" smtClean="0">
+                <a:latin typeface="Segoe UI" panose="020B0502040204020203" pitchFamily="34" charset="0"/>
+                <a:cs typeface="Segoe UI" panose="020B0502040204020203" pitchFamily="34" charset="0"/>
+              </a:rPr>
+              <a:t>Motor </a:t>
+            </a:r>
+            <a:r>
+              <a:rPr lang="de-DE" sz="1050" i="1" dirty="0" err="1" smtClean="0">
+                <a:latin typeface="Segoe UI" panose="020B0502040204020203" pitchFamily="34" charset="0"/>
+                <a:cs typeface="Segoe UI" panose="020B0502040204020203" pitchFamily="34" charset="0"/>
+              </a:rPr>
+              <a:t>and</a:t>
+            </a:r>
+            <a:r>
+              <a:rPr lang="de-DE" sz="1050" i="1" dirty="0" smtClean="0">
+                <a:latin typeface="Segoe UI" panose="020B0502040204020203" pitchFamily="34" charset="0"/>
+                <a:cs typeface="Segoe UI" panose="020B0502040204020203" pitchFamily="34" charset="0"/>
+              </a:rPr>
+              <a:t> </a:t>
+            </a:r>
+            <a:r>
+              <a:rPr lang="de-DE" sz="1050" i="1" dirty="0" err="1" smtClean="0">
+                <a:latin typeface="Segoe UI" panose="020B0502040204020203" pitchFamily="34" charset="0"/>
+                <a:cs typeface="Segoe UI" panose="020B0502040204020203" pitchFamily="34" charset="0"/>
+              </a:rPr>
+              <a:t>sensor</a:t>
+            </a:r>
+            <a:r>
+              <a:rPr lang="de-DE" sz="1050" i="1" dirty="0" smtClean="0">
+                <a:latin typeface="Segoe UI" panose="020B0502040204020203" pitchFamily="34" charset="0"/>
+                <a:cs typeface="Segoe UI" panose="020B0502040204020203" pitchFamily="34" charset="0"/>
+              </a:rPr>
+              <a:t> </a:t>
+            </a:r>
+            <a:r>
+              <a:rPr lang="de-DE" sz="1050" i="1" dirty="0" err="1" smtClean="0">
+                <a:latin typeface="Segoe UI" panose="020B0502040204020203" pitchFamily="34" charset="0"/>
+                <a:cs typeface="Segoe UI" panose="020B0502040204020203" pitchFamily="34" charset="0"/>
+              </a:rPr>
+              <a:t>control</a:t>
+            </a:r>
+            <a:endParaRPr lang="de-DE" sz="1050" i="1" dirty="0" smtClean="0">
+              <a:latin typeface="Segoe UI" panose="020B0502040204020203" pitchFamily="34" charset="0"/>
+              <a:cs typeface="Segoe UI" panose="020B0502040204020203" pitchFamily="34" charset="0"/>
+            </a:endParaRPr>
+          </a:p>
+          <a:p>
             <a:endParaRPr lang="de-DE" sz="1050" i="1" dirty="0">
               <a:latin typeface="Segoe UI" panose="020B0502040204020203" pitchFamily="34" charset="0"/>
               <a:cs typeface="Segoe UI" panose="020B0502040204020203" pitchFamily="34" charset="0"/>
@@ -15072,8 +15122,12 @@
                 <a:latin typeface="Segoe UI" panose="020B0502040204020203" pitchFamily="34" charset="0"/>
                 <a:cs typeface="Segoe UI" panose="020B0502040204020203" pitchFamily="34" charset="0"/>
               </a:rPr>
-              <a:t>Controller Board</a:t>
-            </a:r>
+              <a:t>Cortex Board</a:t>
+            </a:r>
+            <a:endParaRPr lang="de-DE" sz="1050" dirty="0" smtClean="0">
+              <a:latin typeface="Segoe UI" panose="020B0502040204020203" pitchFamily="34" charset="0"/>
+              <a:cs typeface="Segoe UI" panose="020B0502040204020203" pitchFamily="34" charset="0"/>
+            </a:endParaRPr>
           </a:p>
           <a:p>
             <a:pPr algn="ctr"/>
@@ -16473,8 +16527,8 @@
         </p:nvSpPr>
         <p:spPr>
           <a:xfrm>
-            <a:off x="4287935" y="2875956"/>
-            <a:ext cx="1022363" cy="400110"/>
+            <a:off x="4251085" y="2875956"/>
+            <a:ext cx="1104245" cy="400110"/>
           </a:xfrm>
           <a:prstGeom prst="rect">
             <a:avLst/>
@@ -16505,7 +16559,15 @@
             </a:r>
             <a:r>
               <a:rPr lang="de-DE" sz="1000" dirty="0" smtClean="0"/>
-              <a:t> at 20Hz </a:t>
+              <a:t> at </a:t>
+            </a:r>
+            <a:r>
+              <a:rPr lang="de-DE" sz="1000" dirty="0" smtClean="0"/>
+              <a:t>200</a:t>
+            </a:r>
+            <a:r>
+              <a:rPr lang="de-DE" sz="1000" dirty="0" smtClean="0"/>
+              <a:t>Hz </a:t>
             </a:r>
             <a:endParaRPr lang="de-DE" sz="1000" dirty="0"/>
           </a:p>
@@ -17253,7 +17315,7 @@
         </p:nvSpPr>
         <p:spPr>
           <a:xfrm>
-            <a:off x="6364377" y="2888545"/>
+            <a:off x="6354950" y="2888545"/>
             <a:ext cx="1022363" cy="246221"/>
           </a:xfrm>
           <a:prstGeom prst="rect">
@@ -17371,7 +17433,7 @@
         </p:nvSpPr>
         <p:spPr>
           <a:xfrm>
-            <a:off x="6299688" y="3210586"/>
+            <a:off x="6228184" y="3429000"/>
             <a:ext cx="1022363" cy="246221"/>
           </a:xfrm>
           <a:prstGeom prst="rect">
@@ -17392,6 +17454,134 @@
             <a:r>
               <a:rPr lang="de-DE" sz="1000" dirty="0" smtClean="0"/>
               <a:t> angle</a:t>
+            </a:r>
+            <a:endParaRPr lang="de-DE" sz="1000" dirty="0"/>
+          </a:p>
+        </p:txBody>
+      </p:sp>
+      <p:sp>
+        <p:nvSpPr>
+          <p:cNvPr id="83" name="Rechteck 82"/>
+          <p:cNvSpPr/>
+          <p:nvPr/>
+        </p:nvSpPr>
+        <p:spPr>
+          <a:xfrm>
+            <a:off x="7165054" y="2036596"/>
+            <a:ext cx="1080120" cy="410344"/>
+          </a:xfrm>
+          <a:prstGeom prst="rect">
+            <a:avLst/>
+          </a:prstGeom>
+          <a:solidFill>
+            <a:schemeClr val="accent2"/>
+          </a:solidFill>
+          <a:ln>
+            <a:noFill/>
+          </a:ln>
+        </p:spPr>
+        <p:style>
+          <a:lnRef idx="2">
+            <a:schemeClr val="accent1">
+              <a:shade val="50000"/>
+            </a:schemeClr>
+          </a:lnRef>
+          <a:fillRef idx="1">
+            <a:schemeClr val="accent1"/>
+          </a:fillRef>
+          <a:effectRef idx="0">
+            <a:schemeClr val="accent1"/>
+          </a:effectRef>
+          <a:fontRef idx="minor">
+            <a:schemeClr val="lt1"/>
+          </a:fontRef>
+        </p:style>
+        <p:txBody>
+          <a:bodyPr rtlCol="0" anchor="ctr"/>
+          <a:lstStyle/>
+          <a:p>
+            <a:pPr algn="ctr"/>
+            <a:r>
+              <a:rPr lang="de-DE" sz="1050" dirty="0" err="1" smtClean="0">
+                <a:latin typeface="Segoe UI" panose="020B0502040204020203" pitchFamily="34" charset="0"/>
+                <a:cs typeface="Segoe UI" panose="020B0502040204020203" pitchFamily="34" charset="0"/>
+              </a:rPr>
+              <a:t>Servo</a:t>
+            </a:r>
+            <a:endParaRPr lang="de-DE" sz="1050" dirty="0" smtClean="0">
+              <a:latin typeface="Segoe UI" panose="020B0502040204020203" pitchFamily="34" charset="0"/>
+              <a:cs typeface="Segoe UI" panose="020B0502040204020203" pitchFamily="34" charset="0"/>
+            </a:endParaRPr>
+          </a:p>
+        </p:txBody>
+      </p:sp>
+      <p:cxnSp>
+        <p:nvCxnSpPr>
+          <p:cNvPr id="84" name="Gewinkelte Verbindung 83"/>
+          <p:cNvCxnSpPr>
+            <a:stCxn id="96" idx="0"/>
+            <a:endCxn id="83" idx="1"/>
+          </p:cNvCxnSpPr>
+          <p:nvPr/>
+        </p:nvCxnSpPr>
+        <p:spPr>
+          <a:xfrm rot="5400000" flipH="1" flipV="1">
+            <a:off x="6409037" y="1664871"/>
+            <a:ext cx="179120" cy="1332914"/>
+          </a:xfrm>
+          <a:prstGeom prst="bentConnector2">
+            <a:avLst/>
+          </a:prstGeom>
+          <a:ln>
+            <a:tailEnd type="triangle"/>
+          </a:ln>
+        </p:spPr>
+        <p:style>
+          <a:lnRef idx="1">
+            <a:schemeClr val="accent1"/>
+          </a:lnRef>
+          <a:fillRef idx="0">
+            <a:schemeClr val="accent1"/>
+          </a:fillRef>
+          <a:effectRef idx="0">
+            <a:schemeClr val="accent1"/>
+          </a:effectRef>
+          <a:fontRef idx="minor">
+            <a:schemeClr val="tx1"/>
+          </a:fontRef>
+        </p:style>
+      </p:cxnSp>
+      <p:sp>
+        <p:nvSpPr>
+          <p:cNvPr id="88" name="Textfeld 87"/>
+          <p:cNvSpPr txBox="1"/>
+          <p:nvPr/>
+        </p:nvSpPr>
+        <p:spPr>
+          <a:xfrm>
+            <a:off x="6372200" y="2204864"/>
+            <a:ext cx="1022363" cy="400110"/>
+          </a:xfrm>
+          <a:prstGeom prst="rect">
+            <a:avLst/>
+          </a:prstGeom>
+          <a:noFill/>
+        </p:spPr>
+        <p:txBody>
+          <a:bodyPr wrap="square" rtlCol="0">
+            <a:spAutoFit/>
+          </a:bodyPr>
+          <a:lstStyle/>
+          <a:p>
+            <a:r>
+              <a:rPr lang="de-DE" sz="1000" dirty="0" smtClean="0"/>
+              <a:t>Send Angle</a:t>
+            </a:r>
+          </a:p>
+          <a:p>
+            <a:r>
+              <a:rPr lang="de-DE" sz="1000" dirty="0" smtClean="0"/>
+              <a:t>via UART</a:t>
             </a:r>
             <a:endParaRPr lang="de-DE" sz="1000" dirty="0"/>
           </a:p>

--- a/doc/Walter Documentation.pptx
+++ b/doc/Walter Documentation.pptx
@@ -214,7 +214,7 @@
           <a:p>
             <a:fld id="{24CAD8AF-FB06-4225-9C3C-63F205CE0062}" type="datetimeFigureOut">
               <a:rPr lang="de-DE" smtClean="0"/>
-              <a:t>09.01.2017</a:t>
+              <a:t>15.01.2017</a:t>
             </a:fld>
             <a:endParaRPr lang="de-DE"/>
           </a:p>
@@ -831,7 +831,7 @@
           <a:p>
             <a:fld id="{1BA50D42-C9CD-4801-B293-61D1F53EC57E}" type="datetimeFigureOut">
               <a:rPr lang="de-DE" smtClean="0"/>
-              <a:t>09.01.2017</a:t>
+              <a:t>15.01.2017</a:t>
             </a:fld>
             <a:endParaRPr lang="de-DE"/>
           </a:p>
@@ -996,7 +996,7 @@
           <a:p>
             <a:fld id="{1BA50D42-C9CD-4801-B293-61D1F53EC57E}" type="datetimeFigureOut">
               <a:rPr lang="de-DE" smtClean="0"/>
-              <a:t>09.01.2017</a:t>
+              <a:t>15.01.2017</a:t>
             </a:fld>
             <a:endParaRPr lang="de-DE"/>
           </a:p>
@@ -1171,7 +1171,7 @@
           <a:p>
             <a:fld id="{1BA50D42-C9CD-4801-B293-61D1F53EC57E}" type="datetimeFigureOut">
               <a:rPr lang="de-DE" smtClean="0"/>
-              <a:t>09.01.2017</a:t>
+              <a:t>15.01.2017</a:t>
             </a:fld>
             <a:endParaRPr lang="de-DE"/>
           </a:p>
@@ -1336,7 +1336,7 @@
           <a:p>
             <a:fld id="{1BA50D42-C9CD-4801-B293-61D1F53EC57E}" type="datetimeFigureOut">
               <a:rPr lang="de-DE" smtClean="0"/>
-              <a:t>09.01.2017</a:t>
+              <a:t>15.01.2017</a:t>
             </a:fld>
             <a:endParaRPr lang="de-DE"/>
           </a:p>
@@ -1577,7 +1577,7 @@
           <a:p>
             <a:fld id="{1BA50D42-C9CD-4801-B293-61D1F53EC57E}" type="datetimeFigureOut">
               <a:rPr lang="de-DE" smtClean="0"/>
-              <a:t>09.01.2017</a:t>
+              <a:t>15.01.2017</a:t>
             </a:fld>
             <a:endParaRPr lang="de-DE"/>
           </a:p>
@@ -1860,7 +1860,7 @@
           <a:p>
             <a:fld id="{1BA50D42-C9CD-4801-B293-61D1F53EC57E}" type="datetimeFigureOut">
               <a:rPr lang="de-DE" smtClean="0"/>
-              <a:t>09.01.2017</a:t>
+              <a:t>15.01.2017</a:t>
             </a:fld>
             <a:endParaRPr lang="de-DE"/>
           </a:p>
@@ -2277,7 +2277,7 @@
           <a:p>
             <a:fld id="{1BA50D42-C9CD-4801-B293-61D1F53EC57E}" type="datetimeFigureOut">
               <a:rPr lang="de-DE" smtClean="0"/>
-              <a:t>09.01.2017</a:t>
+              <a:t>15.01.2017</a:t>
             </a:fld>
             <a:endParaRPr lang="de-DE"/>
           </a:p>
@@ -2390,7 +2390,7 @@
           <a:p>
             <a:fld id="{1BA50D42-C9CD-4801-B293-61D1F53EC57E}" type="datetimeFigureOut">
               <a:rPr lang="de-DE" smtClean="0"/>
-              <a:t>09.01.2017</a:t>
+              <a:t>15.01.2017</a:t>
             </a:fld>
             <a:endParaRPr lang="de-DE"/>
           </a:p>
@@ -2480,7 +2480,7 @@
           <a:p>
             <a:fld id="{1BA50D42-C9CD-4801-B293-61D1F53EC57E}" type="datetimeFigureOut">
               <a:rPr lang="de-DE" smtClean="0"/>
-              <a:t>09.01.2017</a:t>
+              <a:t>15.01.2017</a:t>
             </a:fld>
             <a:endParaRPr lang="de-DE"/>
           </a:p>
@@ -2752,7 +2752,7 @@
           <a:p>
             <a:fld id="{1BA50D42-C9CD-4801-B293-61D1F53EC57E}" type="datetimeFigureOut">
               <a:rPr lang="de-DE" smtClean="0"/>
-              <a:t>09.01.2017</a:t>
+              <a:t>15.01.2017</a:t>
             </a:fld>
             <a:endParaRPr lang="de-DE"/>
           </a:p>
@@ -3000,7 +3000,7 @@
           <a:p>
             <a:fld id="{1BA50D42-C9CD-4801-B293-61D1F53EC57E}" type="datetimeFigureOut">
               <a:rPr lang="de-DE" smtClean="0"/>
-              <a:t>09.01.2017</a:t>
+              <a:t>15.01.2017</a:t>
             </a:fld>
             <a:endParaRPr lang="de-DE"/>
           </a:p>
@@ -3208,7 +3208,7 @@
           <a:p>
             <a:fld id="{1BA50D42-C9CD-4801-B293-61D1F53EC57E}" type="datetimeFigureOut">
               <a:rPr lang="de-DE" smtClean="0"/>
-              <a:t>09.01.2017</a:t>
+              <a:t>15.01.2017</a:t>
             </a:fld>
             <a:endParaRPr lang="de-DE"/>
           </a:p>
@@ -8947,14 +8947,7 @@
                 <a:latin typeface="Segoe UI" panose="020B0502040204020203" pitchFamily="34" charset="0"/>
                 <a:cs typeface="Segoe UI" panose="020B0502040204020203" pitchFamily="34" charset="0"/>
               </a:rPr>
-              <a:t>at </a:t>
-            </a:r>
-            <a:r>
-              <a:rPr lang="de-DE" sz="800" smtClean="0">
-                <a:latin typeface="Segoe UI" panose="020B0502040204020203" pitchFamily="34" charset="0"/>
-                <a:cs typeface="Segoe UI" panose="020B0502040204020203" pitchFamily="34" charset="0"/>
-              </a:rPr>
-              <a:t>200Hz </a:t>
+              <a:t>at 200Hz </a:t>
             </a:r>
             <a:endParaRPr lang="de-DE" sz="800" dirty="0">
               <a:latin typeface="Segoe UI" panose="020B0502040204020203" pitchFamily="34" charset="0"/>
@@ -14545,14 +14538,7 @@
                 <a:latin typeface="Segoe UI" panose="020B0502040204020203" pitchFamily="34" charset="0"/>
                 <a:cs typeface="Segoe UI" panose="020B0502040204020203" pitchFamily="34" charset="0"/>
               </a:rPr>
-              <a:t>Angle </a:t>
-            </a:r>
-            <a:r>
-              <a:rPr lang="de-DE" sz="1050" i="1" dirty="0" smtClean="0">
-                <a:latin typeface="Segoe UI" panose="020B0502040204020203" pitchFamily="34" charset="0"/>
-                <a:cs typeface="Segoe UI" panose="020B0502040204020203" pitchFamily="34" charset="0"/>
-              </a:rPr>
-              <a:t>Interpolation,</a:t>
+              <a:t>Angle Interpolation,</a:t>
             </a:r>
           </a:p>
           <a:p>
@@ -15124,10 +15110,6 @@
               </a:rPr>
               <a:t>Cortex Board</a:t>
             </a:r>
-            <a:endParaRPr lang="de-DE" sz="1050" dirty="0" smtClean="0">
-              <a:latin typeface="Segoe UI" panose="020B0502040204020203" pitchFamily="34" charset="0"/>
-              <a:cs typeface="Segoe UI" panose="020B0502040204020203" pitchFamily="34" charset="0"/>
-            </a:endParaRPr>
           </a:p>
           <a:p>
             <a:pPr algn="ctr"/>
@@ -16559,15 +16541,7 @@
             </a:r>
             <a:r>
               <a:rPr lang="de-DE" sz="1000" dirty="0" smtClean="0"/>
-              <a:t> at </a:t>
-            </a:r>
-            <a:r>
-              <a:rPr lang="de-DE" sz="1000" dirty="0" smtClean="0"/>
-              <a:t>200</a:t>
-            </a:r>
-            <a:r>
-              <a:rPr lang="de-DE" sz="1000" dirty="0" smtClean="0"/>
-              <a:t>Hz </a:t>
+              <a:t> at 200Hz </a:t>
             </a:r>
             <a:endParaRPr lang="de-DE" sz="1000" dirty="0"/>
           </a:p>
@@ -21101,6 +21075,54 @@
       </p:grpSpPr>
       <p:sp>
         <p:nvSpPr>
+          <p:cNvPr id="12" name="Rechteck 11"/>
+          <p:cNvSpPr/>
+          <p:nvPr/>
+        </p:nvSpPr>
+        <p:spPr>
+          <a:xfrm>
+            <a:off x="2339752" y="3861048"/>
+            <a:ext cx="6264696" cy="864096"/>
+          </a:xfrm>
+          <a:prstGeom prst="rect">
+            <a:avLst/>
+          </a:prstGeom>
+          <a:solidFill>
+            <a:schemeClr val="accent3">
+              <a:lumMod val="75000"/>
+            </a:schemeClr>
+          </a:solidFill>
+          <a:ln>
+            <a:noFill/>
+          </a:ln>
+        </p:spPr>
+        <p:style>
+          <a:lnRef idx="2">
+            <a:schemeClr val="accent1">
+              <a:shade val="50000"/>
+            </a:schemeClr>
+          </a:lnRef>
+          <a:fillRef idx="1">
+            <a:schemeClr val="accent1"/>
+          </a:fillRef>
+          <a:effectRef idx="0">
+            <a:schemeClr val="accent1"/>
+          </a:effectRef>
+          <a:fontRef idx="minor">
+            <a:schemeClr val="lt1"/>
+          </a:fontRef>
+        </p:style>
+        <p:txBody>
+          <a:bodyPr rtlCol="0" anchor="ctr"/>
+          <a:lstStyle/>
+          <a:p>
+            <a:pPr algn="ctr"/>
+            <a:endParaRPr lang="de-DE"/>
+          </a:p>
+        </p:txBody>
+      </p:sp>
+      <p:sp>
+        <p:nvSpPr>
           <p:cNvPr id="73" name="Rechteck 72"/>
           <p:cNvSpPr/>
           <p:nvPr/>
@@ -21144,6 +21166,16 @@
           <a:lstStyle/>
           <a:p>
             <a:r>
+              <a:rPr lang="de-DE" sz="1050" dirty="0" err="1" smtClean="0">
+                <a:solidFill>
+                  <a:schemeClr val="tx1"/>
+                </a:solidFill>
+                <a:latin typeface="Segoe UI" panose="020B0502040204020203" pitchFamily="34" charset="0"/>
+                <a:cs typeface="Segoe UI" panose="020B0502040204020203" pitchFamily="34" charset="0"/>
+              </a:rPr>
+              <a:t>Walter‘s</a:t>
+            </a:r>
+            <a:r>
               <a:rPr lang="de-DE" sz="1050" dirty="0" smtClean="0">
                 <a:solidFill>
                   <a:schemeClr val="tx1"/>
@@ -21151,10 +21183,27 @@
                 <a:latin typeface="Segoe UI" panose="020B0502040204020203" pitchFamily="34" charset="0"/>
                 <a:cs typeface="Segoe UI" panose="020B0502040204020203" pitchFamily="34" charset="0"/>
               </a:rPr>
-              <a:t>Controller Board</a:t>
-            </a:r>
-          </a:p>
-          <a:p>
+              <a:t> Cortex</a:t>
+            </a:r>
+            <a:endParaRPr lang="de-DE" sz="1050" dirty="0" smtClean="0">
+              <a:solidFill>
+                <a:schemeClr val="tx1"/>
+              </a:solidFill>
+              <a:latin typeface="Segoe UI" panose="020B0502040204020203" pitchFamily="34" charset="0"/>
+              <a:cs typeface="Segoe UI" panose="020B0502040204020203" pitchFamily="34" charset="0"/>
+            </a:endParaRPr>
+          </a:p>
+          <a:p>
+            <a:r>
+              <a:rPr lang="de-DE" sz="1050" dirty="0" smtClean="0">
+                <a:solidFill>
+                  <a:schemeClr val="tx1"/>
+                </a:solidFill>
+                <a:latin typeface="Segoe UI" panose="020B0502040204020203" pitchFamily="34" charset="0"/>
+                <a:cs typeface="Segoe UI" panose="020B0502040204020203" pitchFamily="34" charset="0"/>
+              </a:rPr>
+              <a:t>ARM M4 (</a:t>
+            </a:r>
             <a:r>
               <a:rPr lang="de-DE" sz="1050" dirty="0" err="1" smtClean="0">
                 <a:solidFill>
@@ -21163,7 +21212,7 @@
                 <a:latin typeface="Segoe UI" panose="020B0502040204020203" pitchFamily="34" charset="0"/>
                 <a:cs typeface="Segoe UI" panose="020B0502040204020203" pitchFamily="34" charset="0"/>
               </a:rPr>
-              <a:t>Atmega</a:t>
+              <a:t>Teensy</a:t>
             </a:r>
             <a:r>
               <a:rPr lang="de-DE" sz="1050" dirty="0" smtClean="0">
@@ -21173,8 +21222,15 @@
                 <a:latin typeface="Segoe UI" panose="020B0502040204020203" pitchFamily="34" charset="0"/>
                 <a:cs typeface="Segoe UI" panose="020B0502040204020203" pitchFamily="34" charset="0"/>
               </a:rPr>
-              <a:t> 644</a:t>
-            </a:r>
+              <a:t> 3.5)</a:t>
+            </a:r>
+            <a:endParaRPr lang="de-DE" sz="1050" dirty="0" smtClean="0">
+              <a:solidFill>
+                <a:schemeClr val="tx1"/>
+              </a:solidFill>
+              <a:latin typeface="Segoe UI" panose="020B0502040204020203" pitchFamily="34" charset="0"/>
+              <a:cs typeface="Segoe UI" panose="020B0502040204020203" pitchFamily="34" charset="0"/>
+            </a:endParaRPr>
           </a:p>
           <a:p>
             <a:r>
@@ -21341,16 +21397,14 @@
         </p:nvSpPr>
         <p:spPr>
           <a:xfrm>
-            <a:off x="7308304" y="2204864"/>
-            <a:ext cx="1080120" cy="410344"/>
+            <a:off x="7092280" y="2079191"/>
+            <a:ext cx="1512168" cy="661690"/>
           </a:xfrm>
           <a:prstGeom prst="rect">
             <a:avLst/>
           </a:prstGeom>
           <a:solidFill>
-            <a:schemeClr val="accent3">
-              <a:lumMod val="75000"/>
-            </a:schemeClr>
+            <a:schemeClr val="tx2"/>
           </a:solidFill>
           <a:ln>
             <a:noFill/>
@@ -21382,18 +21436,26 @@
                 <a:latin typeface="Segoe UI" panose="020B0502040204020203" pitchFamily="34" charset="0"/>
                 <a:cs typeface="Segoe UI" panose="020B0502040204020203" pitchFamily="34" charset="0"/>
               </a:rPr>
-              <a:t>Stepper</a:t>
-            </a:r>
-          </a:p>
-          <a:p>
-            <a:pPr algn="ctr"/>
+              <a:t>5x </a:t>
+            </a:r>
+            <a:r>
+              <a:rPr lang="de-DE" sz="1050" dirty="0" err="1" smtClean="0">
+                <a:latin typeface="Segoe UI" panose="020B0502040204020203" pitchFamily="34" charset="0"/>
+                <a:cs typeface="Segoe UI" panose="020B0502040204020203" pitchFamily="34" charset="0"/>
+              </a:rPr>
+              <a:t>Pibot</a:t>
+            </a:r>
             <a:r>
               <a:rPr lang="de-DE" sz="1050" dirty="0" smtClean="0">
                 <a:latin typeface="Segoe UI" panose="020B0502040204020203" pitchFamily="34" charset="0"/>
                 <a:cs typeface="Segoe UI" panose="020B0502040204020203" pitchFamily="34" charset="0"/>
               </a:rPr>
-              <a:t>Driver</a:t>
-            </a:r>
+              <a:t> Stepper Drivers</a:t>
+            </a:r>
+            <a:endParaRPr lang="de-DE" sz="1050" dirty="0" smtClean="0">
+              <a:latin typeface="Segoe UI" panose="020B0502040204020203" pitchFamily="34" charset="0"/>
+              <a:cs typeface="Segoe UI" panose="020B0502040204020203" pitchFamily="34" charset="0"/>
+            </a:endParaRPr>
           </a:p>
         </p:txBody>
       </p:sp>
@@ -21409,7 +21471,7 @@
         <p:spPr>
           <a:xfrm flipV="1">
             <a:off x="5616845" y="2410036"/>
-            <a:ext cx="1691459" cy="9538"/>
+            <a:ext cx="1475435" cy="9538"/>
           </a:xfrm>
           <a:prstGeom prst="straightConnector1">
             <a:avLst/>
@@ -21441,7 +21503,7 @@
         </p:nvSpPr>
         <p:spPr>
           <a:xfrm>
-            <a:off x="6401836" y="1713002"/>
+            <a:off x="6320911" y="1713002"/>
             <a:ext cx="870751" cy="707886"/>
           </a:xfrm>
           <a:prstGeom prst="rect">
@@ -21502,14 +21564,14 @@
         </p:nvSpPr>
         <p:spPr>
           <a:xfrm>
-            <a:off x="7308304" y="3306600"/>
+            <a:off x="7308304" y="4003706"/>
             <a:ext cx="1080120" cy="554448"/>
           </a:xfrm>
           <a:prstGeom prst="rect">
             <a:avLst/>
           </a:prstGeom>
           <a:solidFill>
-            <a:schemeClr val="accent2"/>
+            <a:schemeClr val="bg2"/>
           </a:solidFill>
           <a:ln>
             <a:noFill/>
@@ -21538,6 +21600,9 @@
             <a:pPr algn="ctr"/>
             <a:r>
               <a:rPr lang="de-DE" sz="1050" dirty="0" smtClean="0">
+                <a:solidFill>
+                  <a:schemeClr val="tx1"/>
+                </a:solidFill>
                 <a:latin typeface="Segoe UI" panose="020B0502040204020203" pitchFamily="34" charset="0"/>
                 <a:cs typeface="Segoe UI" panose="020B0502040204020203" pitchFamily="34" charset="0"/>
               </a:rPr>
@@ -21557,8 +21622,8 @@
         </p:nvCxnSpPr>
         <p:spPr>
           <a:xfrm>
-            <a:off x="7848364" y="2615208"/>
-            <a:ext cx="0" cy="691392"/>
+            <a:off x="7848364" y="2740881"/>
+            <a:ext cx="0" cy="1262825"/>
           </a:xfrm>
           <a:prstGeom prst="straightConnector1">
             <a:avLst/>
@@ -21590,8 +21655,8 @@
         </p:nvSpPr>
         <p:spPr>
           <a:xfrm>
-            <a:off x="7849664" y="2610570"/>
-            <a:ext cx="918841" cy="553998"/>
+            <a:off x="7894663" y="2920573"/>
+            <a:ext cx="936475" cy="553998"/>
           </a:xfrm>
           <a:prstGeom prst="rect">
             <a:avLst/>
@@ -21615,8 +21680,16 @@
           </a:p>
           <a:p>
             <a:r>
+              <a:rPr lang="de-DE" sz="1000" dirty="0" smtClean="0"/>
+              <a:t>Stepper </a:t>
+            </a:r>
+            <a:r>
               <a:rPr lang="de-DE" sz="1000" dirty="0" err="1" smtClean="0"/>
-              <a:t>stepper</a:t>
+              <a:t>with</a:t>
+            </a:r>
+            <a:r>
+              <a:rPr lang="de-DE" sz="1000" dirty="0" smtClean="0"/>
+              <a:t> </a:t>
             </a:r>
             <a:endParaRPr lang="de-DE" sz="1000" dirty="0" smtClean="0"/>
           </a:p>
@@ -21880,8 +21953,8 @@
         </p:nvCxnSpPr>
         <p:spPr>
           <a:xfrm rot="16200000" flipH="1">
-            <a:off x="4483305" y="2312590"/>
-            <a:ext cx="707050" cy="1835418"/>
+            <a:off x="3741979" y="3053915"/>
+            <a:ext cx="1403206" cy="1048923"/>
           </a:xfrm>
           <a:prstGeom prst="bentConnector2">
             <a:avLst/>
@@ -22029,7 +22102,15 @@
           <a:p>
             <a:r>
               <a:rPr lang="de-DE" sz="1000" dirty="0" smtClean="0"/>
-              <a:t>at 20 Hz</a:t>
+              <a:t>at </a:t>
+            </a:r>
+            <a:r>
+              <a:rPr lang="de-DE" sz="1000" dirty="0" smtClean="0"/>
+              <a:t>50 </a:t>
+            </a:r>
+            <a:r>
+              <a:rPr lang="de-DE" sz="1000" dirty="0" smtClean="0"/>
+              <a:t>Hz</a:t>
             </a:r>
           </a:p>
           <a:p>
@@ -22125,14 +22206,14 @@
         </p:nvSpPr>
         <p:spPr>
           <a:xfrm>
-            <a:off x="5754539" y="3306600"/>
+            <a:off x="4968044" y="4002756"/>
             <a:ext cx="1080120" cy="554448"/>
           </a:xfrm>
           <a:prstGeom prst="rect">
             <a:avLst/>
           </a:prstGeom>
           <a:solidFill>
-            <a:schemeClr val="accent2"/>
+            <a:schemeClr val="bg2"/>
           </a:solidFill>
           <a:ln>
             <a:noFill/>
@@ -22161,12 +22242,18 @@
             <a:pPr algn="ctr"/>
             <a:r>
               <a:rPr lang="de-DE" sz="1050" dirty="0" err="1" smtClean="0">
+                <a:solidFill>
+                  <a:schemeClr val="tx1"/>
+                </a:solidFill>
                 <a:latin typeface="Segoe UI" panose="020B0502040204020203" pitchFamily="34" charset="0"/>
                 <a:cs typeface="Segoe UI" panose="020B0502040204020203" pitchFamily="34" charset="0"/>
               </a:rPr>
               <a:t>Magnetic</a:t>
             </a:r>
             <a:endParaRPr lang="de-DE" sz="1050" dirty="0" smtClean="0">
+              <a:solidFill>
+                <a:schemeClr val="tx1"/>
+              </a:solidFill>
               <a:latin typeface="Segoe UI" panose="020B0502040204020203" pitchFamily="34" charset="0"/>
               <a:cs typeface="Segoe UI" panose="020B0502040204020203" pitchFamily="34" charset="0"/>
             </a:endParaRPr>
@@ -22175,6 +22262,9 @@
             <a:pPr algn="ctr"/>
             <a:r>
               <a:rPr lang="de-DE" sz="1050" dirty="0" smtClean="0">
+                <a:solidFill>
+                  <a:schemeClr val="tx1"/>
+                </a:solidFill>
                 <a:latin typeface="Segoe UI" panose="020B0502040204020203" pitchFamily="34" charset="0"/>
                 <a:cs typeface="Segoe UI" panose="020B0502040204020203" pitchFamily="34" charset="0"/>
               </a:rPr>
@@ -22185,6 +22275,9 @@
             <a:pPr algn="ctr"/>
             <a:r>
               <a:rPr lang="de-DE" sz="1050" dirty="0" smtClean="0">
+                <a:solidFill>
+                  <a:schemeClr val="tx1"/>
+                </a:solidFill>
                 <a:latin typeface="Segoe UI" panose="020B0502040204020203" pitchFamily="34" charset="0"/>
                 <a:cs typeface="Segoe UI" panose="020B0502040204020203" pitchFamily="34" charset="0"/>
               </a:rPr>
@@ -22204,8 +22297,8 @@
         </p:nvCxnSpPr>
         <p:spPr>
           <a:xfrm>
-            <a:off x="6834659" y="3583824"/>
-            <a:ext cx="473645" cy="0"/>
+            <a:off x="6048164" y="4279980"/>
+            <a:ext cx="1260140" cy="950"/>
           </a:xfrm>
           <a:prstGeom prst="line">
             <a:avLst/>
@@ -22214,6 +22307,7 @@
             <a:solidFill>
               <a:schemeClr val="accent2"/>
             </a:solidFill>
+            <a:prstDash val="sysDot"/>
           </a:ln>
         </p:spPr>
         <p:style>
@@ -22239,14 +22333,14 @@
         </p:nvSpPr>
         <p:spPr>
           <a:xfrm>
-            <a:off x="2720963" y="3368414"/>
+            <a:off x="2640564" y="4032149"/>
             <a:ext cx="1080120" cy="554448"/>
           </a:xfrm>
           <a:prstGeom prst="rect">
             <a:avLst/>
           </a:prstGeom>
           <a:solidFill>
-            <a:schemeClr val="accent2"/>
+            <a:schemeClr val="bg2"/>
           </a:solidFill>
           <a:ln>
             <a:noFill/>
@@ -22275,12 +22369,18 @@
             <a:pPr algn="ctr"/>
             <a:r>
               <a:rPr lang="de-DE" sz="1050" dirty="0" err="1" smtClean="0">
+                <a:solidFill>
+                  <a:schemeClr val="tx1"/>
+                </a:solidFill>
                 <a:latin typeface="Segoe UI" panose="020B0502040204020203" pitchFamily="34" charset="0"/>
                 <a:cs typeface="Segoe UI" panose="020B0502040204020203" pitchFamily="34" charset="0"/>
               </a:rPr>
               <a:t>Servo</a:t>
             </a:r>
             <a:endParaRPr lang="de-DE" sz="1050" dirty="0" smtClean="0">
+              <a:solidFill>
+                <a:schemeClr val="tx1"/>
+              </a:solidFill>
               <a:latin typeface="Segoe UI" panose="020B0502040204020203" pitchFamily="34" charset="0"/>
               <a:cs typeface="Segoe UI" panose="020B0502040204020203" pitchFamily="34" charset="0"/>
             </a:endParaRPr>
@@ -22299,7 +22399,7 @@
         <p:spPr>
           <a:xfrm>
             <a:off x="2216778" y="2079191"/>
-            <a:ext cx="1044245" cy="1289223"/>
+            <a:ext cx="963846" cy="1952958"/>
           </a:xfrm>
           <a:prstGeom prst="bentConnector2">
             <a:avLst/>
@@ -22331,7 +22431,7 @@
         </p:nvSpPr>
         <p:spPr>
           <a:xfrm>
-            <a:off x="2925735" y="2816925"/>
+            <a:off x="3124470" y="3228350"/>
             <a:ext cx="716863" cy="553998"/>
           </a:xfrm>
           <a:prstGeom prst="rect">

--- a/doc/Walter Documentation.pptx
+++ b/doc/Walter Documentation.pptx
@@ -214,7 +214,7 @@
           <a:p>
             <a:fld id="{24CAD8AF-FB06-4225-9C3C-63F205CE0062}" type="datetimeFigureOut">
               <a:rPr lang="de-DE" smtClean="0"/>
-              <a:t>15.01.2017</a:t>
+              <a:t>18.01.2017</a:t>
             </a:fld>
             <a:endParaRPr lang="de-DE"/>
           </a:p>
@@ -547,6 +547,90 @@
           <a:p>
             <a:fld id="{BD0E801E-6041-4EA5-AE00-3DEBC4681658}" type="slidenum">
               <a:rPr lang="de-DE" smtClean="0"/>
+              <a:t>1</a:t>
+            </a:fld>
+            <a:endParaRPr lang="de-DE"/>
+          </a:p>
+        </p:txBody>
+      </p:sp>
+    </p:spTree>
+    <p:extLst>
+      <p:ext uri="{BB962C8B-B14F-4D97-AF65-F5344CB8AC3E}">
+        <p14:creationId xmlns:p14="http://schemas.microsoft.com/office/powerpoint/2010/main" val="2094309407"/>
+      </p:ext>
+    </p:extLst>
+  </p:cSld>
+  <p:clrMapOvr>
+    <a:masterClrMapping/>
+  </p:clrMapOvr>
+</p:notes>
+</file>
+
+<file path=ppt/notesSlides/notesSlide2.xml><?xml version="1.0" encoding="utf-8"?>
+<p:notes xmlns:a="http://schemas.openxmlformats.org/drawingml/2006/main" xmlns:r="http://schemas.openxmlformats.org/officeDocument/2006/relationships" xmlns:p="http://schemas.openxmlformats.org/presentationml/2006/main">
+  <p:cSld>
+    <p:spTree>
+      <p:nvGrpSpPr>
+        <p:cNvPr id="1" name=""/>
+        <p:cNvGrpSpPr/>
+        <p:nvPr/>
+      </p:nvGrpSpPr>
+      <p:grpSpPr>
+        <a:xfrm>
+          <a:off x="0" y="0"/>
+          <a:ext cx="0" cy="0"/>
+          <a:chOff x="0" y="0"/>
+          <a:chExt cx="0" cy="0"/>
+        </a:xfrm>
+      </p:grpSpPr>
+      <p:sp>
+        <p:nvSpPr>
+          <p:cNvPr id="2" name="Folienbildplatzhalter 1"/>
+          <p:cNvSpPr>
+            <a:spLocks noGrp="1" noRot="1" noChangeAspect="1"/>
+          </p:cNvSpPr>
+          <p:nvPr>
+            <p:ph type="sldImg"/>
+          </p:nvPr>
+        </p:nvSpPr>
+        <p:spPr/>
+      </p:sp>
+      <p:sp>
+        <p:nvSpPr>
+          <p:cNvPr id="3" name="Notizenplatzhalter 2"/>
+          <p:cNvSpPr>
+            <a:spLocks noGrp="1"/>
+          </p:cNvSpPr>
+          <p:nvPr>
+            <p:ph type="body" idx="1"/>
+          </p:nvPr>
+        </p:nvSpPr>
+        <p:spPr/>
+        <p:txBody>
+          <a:bodyPr/>
+          <a:lstStyle/>
+          <a:p>
+            <a:endParaRPr lang="de-DE" dirty="0"/>
+          </a:p>
+        </p:txBody>
+      </p:sp>
+      <p:sp>
+        <p:nvSpPr>
+          <p:cNvPr id="4" name="Foliennummernplatzhalter 3"/>
+          <p:cNvSpPr>
+            <a:spLocks noGrp="1"/>
+          </p:cNvSpPr>
+          <p:nvPr>
+            <p:ph type="sldNum" sz="quarter" idx="10"/>
+          </p:nvPr>
+        </p:nvSpPr>
+        <p:spPr/>
+        <p:txBody>
+          <a:bodyPr/>
+          <a:lstStyle/>
+          <a:p>
+            <a:fld id="{BD0E801E-6041-4EA5-AE00-3DEBC4681658}" type="slidenum">
+              <a:rPr lang="de-DE" smtClean="0"/>
               <a:t>3</a:t>
             </a:fld>
             <a:endParaRPr lang="de-DE"/>
@@ -566,7 +650,7 @@
 </p:notes>
 </file>
 
-<file path=ppt/notesSlides/notesSlide2.xml><?xml version="1.0" encoding="utf-8"?>
+<file path=ppt/notesSlides/notesSlide3.xml><?xml version="1.0" encoding="utf-8"?>
 <p:notes xmlns:a="http://schemas.openxmlformats.org/drawingml/2006/main" xmlns:r="http://schemas.openxmlformats.org/officeDocument/2006/relationships" xmlns:p="http://schemas.openxmlformats.org/presentationml/2006/main">
   <p:cSld>
     <p:spTree>
@@ -831,7 +915,7 @@
           <a:p>
             <a:fld id="{1BA50D42-C9CD-4801-B293-61D1F53EC57E}" type="datetimeFigureOut">
               <a:rPr lang="de-DE" smtClean="0"/>
-              <a:t>15.01.2017</a:t>
+              <a:t>18.01.2017</a:t>
             </a:fld>
             <a:endParaRPr lang="de-DE"/>
           </a:p>
@@ -996,7 +1080,7 @@
           <a:p>
             <a:fld id="{1BA50D42-C9CD-4801-B293-61D1F53EC57E}" type="datetimeFigureOut">
               <a:rPr lang="de-DE" smtClean="0"/>
-              <a:t>15.01.2017</a:t>
+              <a:t>18.01.2017</a:t>
             </a:fld>
             <a:endParaRPr lang="de-DE"/>
           </a:p>
@@ -1171,7 +1255,7 @@
           <a:p>
             <a:fld id="{1BA50D42-C9CD-4801-B293-61D1F53EC57E}" type="datetimeFigureOut">
               <a:rPr lang="de-DE" smtClean="0"/>
-              <a:t>15.01.2017</a:t>
+              <a:t>18.01.2017</a:t>
             </a:fld>
             <a:endParaRPr lang="de-DE"/>
           </a:p>
@@ -1336,7 +1420,7 @@
           <a:p>
             <a:fld id="{1BA50D42-C9CD-4801-B293-61D1F53EC57E}" type="datetimeFigureOut">
               <a:rPr lang="de-DE" smtClean="0"/>
-              <a:t>15.01.2017</a:t>
+              <a:t>18.01.2017</a:t>
             </a:fld>
             <a:endParaRPr lang="de-DE"/>
           </a:p>
@@ -1577,7 +1661,7 @@
           <a:p>
             <a:fld id="{1BA50D42-C9CD-4801-B293-61D1F53EC57E}" type="datetimeFigureOut">
               <a:rPr lang="de-DE" smtClean="0"/>
-              <a:t>15.01.2017</a:t>
+              <a:t>18.01.2017</a:t>
             </a:fld>
             <a:endParaRPr lang="de-DE"/>
           </a:p>
@@ -1860,7 +1944,7 @@
           <a:p>
             <a:fld id="{1BA50D42-C9CD-4801-B293-61D1F53EC57E}" type="datetimeFigureOut">
               <a:rPr lang="de-DE" smtClean="0"/>
-              <a:t>15.01.2017</a:t>
+              <a:t>18.01.2017</a:t>
             </a:fld>
             <a:endParaRPr lang="de-DE"/>
           </a:p>
@@ -2277,7 +2361,7 @@
           <a:p>
             <a:fld id="{1BA50D42-C9CD-4801-B293-61D1F53EC57E}" type="datetimeFigureOut">
               <a:rPr lang="de-DE" smtClean="0"/>
-              <a:t>15.01.2017</a:t>
+              <a:t>18.01.2017</a:t>
             </a:fld>
             <a:endParaRPr lang="de-DE"/>
           </a:p>
@@ -2390,7 +2474,7 @@
           <a:p>
             <a:fld id="{1BA50D42-C9CD-4801-B293-61D1F53EC57E}" type="datetimeFigureOut">
               <a:rPr lang="de-DE" smtClean="0"/>
-              <a:t>15.01.2017</a:t>
+              <a:t>18.01.2017</a:t>
             </a:fld>
             <a:endParaRPr lang="de-DE"/>
           </a:p>
@@ -2480,7 +2564,7 @@
           <a:p>
             <a:fld id="{1BA50D42-C9CD-4801-B293-61D1F53EC57E}" type="datetimeFigureOut">
               <a:rPr lang="de-DE" smtClean="0"/>
-              <a:t>15.01.2017</a:t>
+              <a:t>18.01.2017</a:t>
             </a:fld>
             <a:endParaRPr lang="de-DE"/>
           </a:p>
@@ -2752,7 +2836,7 @@
           <a:p>
             <a:fld id="{1BA50D42-C9CD-4801-B293-61D1F53EC57E}" type="datetimeFigureOut">
               <a:rPr lang="de-DE" smtClean="0"/>
-              <a:t>15.01.2017</a:t>
+              <a:t>18.01.2017</a:t>
             </a:fld>
             <a:endParaRPr lang="de-DE"/>
           </a:p>
@@ -3000,7 +3084,7 @@
           <a:p>
             <a:fld id="{1BA50D42-C9CD-4801-B293-61D1F53EC57E}" type="datetimeFigureOut">
               <a:rPr lang="de-DE" smtClean="0"/>
-              <a:t>15.01.2017</a:t>
+              <a:t>18.01.2017</a:t>
             </a:fld>
             <a:endParaRPr lang="de-DE"/>
           </a:p>
@@ -3208,7 +3292,7 @@
           <a:p>
             <a:fld id="{1BA50D42-C9CD-4801-B293-61D1F53EC57E}" type="datetimeFigureOut">
               <a:rPr lang="de-DE" smtClean="0"/>
-              <a:t>15.01.2017</a:t>
+              <a:t>18.01.2017</a:t>
             </a:fld>
             <a:endParaRPr lang="de-DE"/>
           </a:p>
@@ -8871,8 +8955,8 @@
         </p:nvSpPr>
         <p:spPr>
           <a:xfrm>
-            <a:off x="2972030" y="2221513"/>
-            <a:ext cx="939681" cy="461665"/>
+            <a:off x="2972030" y="2370366"/>
+            <a:ext cx="998991" cy="338554"/>
           </a:xfrm>
           <a:prstGeom prst="rect">
             <a:avLst/>
@@ -8890,44 +8974,8 @@
                 <a:latin typeface="Segoe UI" panose="020B0502040204020203" pitchFamily="34" charset="0"/>
                 <a:cs typeface="Segoe UI" panose="020B0502040204020203" pitchFamily="34" charset="0"/>
               </a:rPr>
-              <a:t>Command </a:t>
-            </a:r>
-            <a:r>
-              <a:rPr lang="de-DE" sz="800" dirty="0" err="1" smtClean="0">
-                <a:latin typeface="Segoe UI" panose="020B0502040204020203" pitchFamily="34" charset="0"/>
-                <a:cs typeface="Segoe UI" panose="020B0502040204020203" pitchFamily="34" charset="0"/>
-              </a:rPr>
-              <a:t>shell</a:t>
-            </a:r>
-            <a:endParaRPr lang="de-DE" sz="800" dirty="0" smtClean="0">
-              <a:latin typeface="Segoe UI" panose="020B0502040204020203" pitchFamily="34" charset="0"/>
-              <a:cs typeface="Segoe UI" panose="020B0502040204020203" pitchFamily="34" charset="0"/>
-            </a:endParaRPr>
-          </a:p>
-          <a:p>
-            <a:r>
-              <a:rPr lang="de-DE" sz="800" dirty="0" err="1">
-                <a:latin typeface="Segoe UI" panose="020B0502040204020203" pitchFamily="34" charset="0"/>
-                <a:cs typeface="Segoe UI" panose="020B0502040204020203" pitchFamily="34" charset="0"/>
-              </a:rPr>
-              <a:t>s</a:t>
-            </a:r>
-            <a:r>
-              <a:rPr lang="de-DE" sz="800" dirty="0" err="1" smtClean="0">
-                <a:latin typeface="Segoe UI" panose="020B0502040204020203" pitchFamily="34" charset="0"/>
-                <a:cs typeface="Segoe UI" panose="020B0502040204020203" pitchFamily="34" charset="0"/>
-              </a:rPr>
-              <a:t>erial</a:t>
-            </a:r>
-            <a:r>
-              <a:rPr lang="de-DE" sz="800" dirty="0" smtClean="0">
-                <a:latin typeface="Segoe UI" panose="020B0502040204020203" pitchFamily="34" charset="0"/>
-                <a:cs typeface="Segoe UI" panose="020B0502040204020203" pitchFamily="34" charset="0"/>
-              </a:rPr>
-              <a:t> via USB</a:t>
-            </a:r>
-          </a:p>
-          <a:p>
+              <a:t>Transfer </a:t>
+            </a:r>
             <a:r>
               <a:rPr lang="de-DE" sz="800" dirty="0" err="1" smtClean="0">
                 <a:latin typeface="Segoe UI" panose="020B0502040204020203" pitchFamily="34" charset="0"/>
@@ -8942,12 +8990,14 @@
               </a:rPr>
               <a:t> </a:t>
             </a:r>
-            <a:r>
-              <a:rPr lang="de-DE" sz="800" smtClean="0">
+          </a:p>
+          <a:p>
+            <a:r>
+              <a:rPr lang="de-DE" sz="800" dirty="0" smtClean="0">
                 <a:latin typeface="Segoe UI" panose="020B0502040204020203" pitchFamily="34" charset="0"/>
                 <a:cs typeface="Segoe UI" panose="020B0502040204020203" pitchFamily="34" charset="0"/>
               </a:rPr>
-              <a:t>at 200Hz </a:t>
+              <a:t>at 10Hz  via UART</a:t>
             </a:r>
             <a:endParaRPr lang="de-DE" sz="800" dirty="0">
               <a:latin typeface="Segoe UI" panose="020B0502040204020203" pitchFamily="34" charset="0"/>
@@ -9022,7 +9072,7 @@
         <p:spPr>
           <a:xfrm>
             <a:off x="2912597" y="2690920"/>
-            <a:ext cx="1122076" cy="0"/>
+            <a:ext cx="1035938" cy="18000"/>
           </a:xfrm>
           <a:prstGeom prst="straightConnector1">
             <a:avLst/>
@@ -9053,9 +9103,9 @@
           <p:nvPr/>
         </p:nvCxnSpPr>
         <p:spPr>
-          <a:xfrm flipH="1">
-            <a:off x="2882545" y="3223117"/>
-            <a:ext cx="1117211" cy="3548"/>
+          <a:xfrm flipH="1" flipV="1">
+            <a:off x="2912597" y="3206185"/>
+            <a:ext cx="1087160" cy="16932"/>
           </a:xfrm>
           <a:prstGeom prst="straightConnector1">
             <a:avLst/>
@@ -9213,17 +9263,41 @@
                 <a:latin typeface="Segoe UI" panose="020B0502040204020203" pitchFamily="34" charset="0"/>
                 <a:cs typeface="Segoe UI" panose="020B0502040204020203" pitchFamily="34" charset="0"/>
               </a:rPr>
-              <a:t> XU4</a:t>
-            </a:r>
-          </a:p>
-          <a:p>
-            <a:pPr algn="ctr"/>
+              <a:t> </a:t>
+            </a:r>
             <a:r>
               <a:rPr lang="de-DE" sz="1050" dirty="0" smtClean="0">
                 <a:latin typeface="Segoe UI" panose="020B0502040204020203" pitchFamily="34" charset="0"/>
                 <a:cs typeface="Segoe UI" panose="020B0502040204020203" pitchFamily="34" charset="0"/>
               </a:rPr>
-              <a:t>High-Level C++</a:t>
+              <a:t>XU4</a:t>
+            </a:r>
+            <a:br>
+              <a:rPr lang="de-DE" sz="1050" dirty="0" smtClean="0">
+                <a:latin typeface="Segoe UI" panose="020B0502040204020203" pitchFamily="34" charset="0"/>
+                <a:cs typeface="Segoe UI" panose="020B0502040204020203" pitchFamily="34" charset="0"/>
+              </a:rPr>
+            </a:br>
+            <a:r>
+              <a:rPr lang="de-DE" sz="1050" dirty="0" smtClean="0">
+                <a:latin typeface="Segoe UI" panose="020B0502040204020203" pitchFamily="34" charset="0"/>
+                <a:cs typeface="Segoe UI" panose="020B0502040204020203" pitchFamily="34" charset="0"/>
+              </a:rPr>
+              <a:t>L</a:t>
+            </a:r>
+            <a:r>
+              <a:rPr lang="de-DE" sz="1050" dirty="0" smtClean="0">
+                <a:latin typeface="Segoe UI" panose="020B0502040204020203" pitchFamily="34" charset="0"/>
+                <a:cs typeface="Segoe UI" panose="020B0502040204020203" pitchFamily="34" charset="0"/>
+              </a:rPr>
+              <a:t>inux,  </a:t>
+            </a:r>
+            <a:r>
+              <a:rPr lang="de-DE" sz="1050" dirty="0" smtClean="0">
+                <a:latin typeface="Segoe UI" panose="020B0502040204020203" pitchFamily="34" charset="0"/>
+                <a:cs typeface="Segoe UI" panose="020B0502040204020203" pitchFamily="34" charset="0"/>
+              </a:rPr>
+              <a:t>C++</a:t>
             </a:r>
             <a:endParaRPr lang="de-DE" sz="1050" dirty="0">
               <a:latin typeface="Segoe UI" panose="020B0502040204020203" pitchFamily="34" charset="0"/>
@@ -12033,7 +12107,7 @@
         <p:spPr>
           <a:xfrm rot="16200000" flipH="1">
             <a:off x="4760493" y="3201217"/>
-            <a:ext cx="2213499" cy="2585018"/>
+            <a:ext cx="2213498" cy="2585018"/>
           </a:xfrm>
           <a:prstGeom prst="bentConnector2">
             <a:avLst/>
@@ -13196,8 +13270,8 @@
         </p:nvSpPr>
         <p:spPr>
           <a:xfrm>
-            <a:off x="4034673" y="2494598"/>
-            <a:ext cx="1080120" cy="892379"/>
+            <a:off x="3948535" y="2494598"/>
+            <a:ext cx="1252396" cy="892379"/>
           </a:xfrm>
           <a:prstGeom prst="rect">
             <a:avLst/>
@@ -13245,31 +13319,35 @@
                 <a:latin typeface="Segoe UI" panose="020B0502040204020203" pitchFamily="34" charset="0"/>
                 <a:cs typeface="Segoe UI" panose="020B0502040204020203" pitchFamily="34" charset="0"/>
               </a:rPr>
-              <a:t>ARM CortexM4</a:t>
-            </a:r>
-          </a:p>
-          <a:p>
-            <a:pPr algn="ctr"/>
+              <a:t>ARM </a:t>
+            </a:r>
             <a:r>
               <a:rPr lang="de-DE" sz="1050" dirty="0" smtClean="0">
                 <a:latin typeface="Segoe UI" panose="020B0502040204020203" pitchFamily="34" charset="0"/>
                 <a:cs typeface="Segoe UI" panose="020B0502040204020203" pitchFamily="34" charset="0"/>
               </a:rPr>
-              <a:t>Low </a:t>
-            </a:r>
-            <a:r>
-              <a:rPr lang="de-DE" sz="1050" dirty="0" err="1" smtClean="0">
-                <a:latin typeface="Segoe UI" panose="020B0502040204020203" pitchFamily="34" charset="0"/>
-                <a:cs typeface="Segoe UI" panose="020B0502040204020203" pitchFamily="34" charset="0"/>
-              </a:rPr>
-              <a:t>level</a:t>
-            </a:r>
+              <a:t>Cortex M4</a:t>
+            </a:r>
+            <a:endParaRPr lang="de-DE" sz="1050" dirty="0" smtClean="0">
+              <a:latin typeface="Segoe UI" panose="020B0502040204020203" pitchFamily="34" charset="0"/>
+              <a:cs typeface="Segoe UI" panose="020B0502040204020203" pitchFamily="34" charset="0"/>
+            </a:endParaRPr>
+          </a:p>
+          <a:p>
+            <a:pPr algn="ctr"/>
             <a:r>
               <a:rPr lang="de-DE" sz="1050" dirty="0" smtClean="0">
                 <a:latin typeface="Segoe UI" panose="020B0502040204020203" pitchFamily="34" charset="0"/>
                 <a:cs typeface="Segoe UI" panose="020B0502040204020203" pitchFamily="34" charset="0"/>
               </a:rPr>
-              <a:t> C++</a:t>
+              <a:t>Realtime C</a:t>
+            </a:r>
+            <a:r>
+              <a:rPr lang="de-DE" sz="1050" dirty="0" smtClean="0">
+                <a:latin typeface="Segoe UI" panose="020B0502040204020203" pitchFamily="34" charset="0"/>
+                <a:cs typeface="Segoe UI" panose="020B0502040204020203" pitchFamily="34" charset="0"/>
+              </a:rPr>
+              <a:t>++</a:t>
             </a:r>
             <a:endParaRPr lang="de-DE" sz="1050" dirty="0">
               <a:latin typeface="Segoe UI" panose="020B0502040204020203" pitchFamily="34" charset="0"/>
@@ -13745,6 +13823,65 @@
                 <a:cs typeface="Segoe UI" panose="020B0502040204020203" pitchFamily="34" charset="0"/>
               </a:rPr>
               <a:t>pose</a:t>
+            </a:r>
+            <a:endParaRPr lang="de-DE" sz="800" dirty="0">
+              <a:latin typeface="Segoe UI" panose="020B0502040204020203" pitchFamily="34" charset="0"/>
+              <a:cs typeface="Segoe UI" panose="020B0502040204020203" pitchFamily="34" charset="0"/>
+            </a:endParaRPr>
+          </a:p>
+        </p:txBody>
+      </p:sp>
+      <p:sp>
+        <p:nvSpPr>
+          <p:cNvPr id="103" name="Textfeld 102"/>
+          <p:cNvSpPr txBox="1"/>
+          <p:nvPr/>
+        </p:nvSpPr>
+        <p:spPr>
+          <a:xfrm>
+            <a:off x="4527894" y="3501008"/>
+            <a:ext cx="713657" cy="338554"/>
+          </a:xfrm>
+          <a:prstGeom prst="rect">
+            <a:avLst/>
+          </a:prstGeom>
+          <a:noFill/>
+        </p:spPr>
+        <p:txBody>
+          <a:bodyPr wrap="none" rtlCol="0">
+            <a:spAutoFit/>
+          </a:bodyPr>
+          <a:lstStyle/>
+          <a:p>
+            <a:r>
+              <a:rPr lang="de-DE" sz="800" dirty="0" smtClean="0">
+                <a:latin typeface="Segoe UI" panose="020B0502040204020203" pitchFamily="34" charset="0"/>
+                <a:cs typeface="Segoe UI" panose="020B0502040204020203" pitchFamily="34" charset="0"/>
+              </a:rPr>
+              <a:t>100 Hz </a:t>
+            </a:r>
+          </a:p>
+          <a:p>
+            <a:r>
+              <a:rPr lang="de-DE" sz="800" dirty="0" err="1" smtClean="0">
+                <a:latin typeface="Segoe UI" panose="020B0502040204020203" pitchFamily="34" charset="0"/>
+                <a:cs typeface="Segoe UI" panose="020B0502040204020203" pitchFamily="34" charset="0"/>
+              </a:rPr>
+              <a:t>closed</a:t>
+            </a:r>
+            <a:r>
+              <a:rPr lang="de-DE" sz="800" dirty="0" smtClean="0">
+                <a:latin typeface="Segoe UI" panose="020B0502040204020203" pitchFamily="34" charset="0"/>
+                <a:cs typeface="Segoe UI" panose="020B0502040204020203" pitchFamily="34" charset="0"/>
+              </a:rPr>
+              <a:t> </a:t>
+            </a:r>
+            <a:r>
+              <a:rPr lang="de-DE" sz="800" dirty="0" err="1" smtClean="0">
+                <a:latin typeface="Segoe UI" panose="020B0502040204020203" pitchFamily="34" charset="0"/>
+                <a:cs typeface="Segoe UI" panose="020B0502040204020203" pitchFamily="34" charset="0"/>
+              </a:rPr>
+              <a:t>loop</a:t>
             </a:r>
             <a:endParaRPr lang="de-DE" sz="800" dirty="0">
               <a:latin typeface="Segoe UI" panose="020B0502040204020203" pitchFamily="34" charset="0"/>
@@ -14412,7 +14549,14 @@
                 <a:latin typeface="Segoe UI" panose="020B0502040204020203" pitchFamily="34" charset="0"/>
                 <a:cs typeface="Segoe UI" panose="020B0502040204020203" pitchFamily="34" charset="0"/>
               </a:rPr>
-              <a:t>High-Level C++</a:t>
+              <a:t>Linux C</a:t>
+            </a:r>
+            <a:r>
+              <a:rPr lang="de-DE" sz="1050" dirty="0" smtClean="0">
+                <a:latin typeface="Segoe UI" panose="020B0502040204020203" pitchFamily="34" charset="0"/>
+                <a:cs typeface="Segoe UI" panose="020B0502040204020203" pitchFamily="34" charset="0"/>
+              </a:rPr>
+              <a:t>++</a:t>
             </a:r>
             <a:endParaRPr lang="de-DE" sz="1050" dirty="0">
               <a:latin typeface="Segoe UI" panose="020B0502040204020203" pitchFamily="34" charset="0"/>
@@ -14499,6 +14643,20 @@
                 <a:cs typeface="Segoe UI" panose="020B0502040204020203" pitchFamily="34" charset="0"/>
               </a:rPr>
               <a:t>openGL</a:t>
+            </a:r>
+            <a:endParaRPr lang="de-DE" sz="1050" dirty="0" smtClean="0">
+              <a:latin typeface="Segoe UI" panose="020B0502040204020203" pitchFamily="34" charset="0"/>
+              <a:cs typeface="Segoe UI" panose="020B0502040204020203" pitchFamily="34" charset="0"/>
+            </a:endParaRPr>
+          </a:p>
+          <a:p>
+            <a:pPr algn="ctr"/>
+            <a:r>
+              <a:rPr lang="de-DE" sz="1050" dirty="0" smtClean="0">
+                <a:latin typeface="Segoe UI" panose="020B0502040204020203" pitchFamily="34" charset="0"/>
+                <a:cs typeface="Segoe UI" panose="020B0502040204020203" pitchFamily="34" charset="0"/>
+              </a:rPr>
+              <a:t>Glut, GLUI</a:t>
             </a:r>
             <a:endParaRPr lang="de-DE" sz="1050" dirty="0">
               <a:latin typeface="Segoe UI" panose="020B0502040204020203" pitchFamily="34" charset="0"/>
@@ -15118,21 +15276,21 @@
                 <a:latin typeface="Segoe UI" panose="020B0502040204020203" pitchFamily="34" charset="0"/>
                 <a:cs typeface="Segoe UI" panose="020B0502040204020203" pitchFamily="34" charset="0"/>
               </a:rPr>
-              <a:t>Arm Cortex M4 Low </a:t>
-            </a:r>
-            <a:r>
-              <a:rPr lang="de-DE" sz="1050" dirty="0" err="1" smtClean="0">
-                <a:latin typeface="Segoe UI" panose="020B0502040204020203" pitchFamily="34" charset="0"/>
-                <a:cs typeface="Segoe UI" panose="020B0502040204020203" pitchFamily="34" charset="0"/>
-              </a:rPr>
-              <a:t>level</a:t>
+              <a:t>Arm Cortex M4 </a:t>
             </a:r>
             <a:r>
               <a:rPr lang="de-DE" sz="1050" dirty="0" smtClean="0">
                 <a:latin typeface="Segoe UI" panose="020B0502040204020203" pitchFamily="34" charset="0"/>
                 <a:cs typeface="Segoe UI" panose="020B0502040204020203" pitchFamily="34" charset="0"/>
               </a:rPr>
-              <a:t> C++</a:t>
+              <a:t>Realtime C</a:t>
+            </a:r>
+            <a:r>
+              <a:rPr lang="de-DE" sz="1050" dirty="0" smtClean="0">
+                <a:latin typeface="Segoe UI" panose="020B0502040204020203" pitchFamily="34" charset="0"/>
+                <a:cs typeface="Segoe UI" panose="020B0502040204020203" pitchFamily="34" charset="0"/>
+              </a:rPr>
+              <a:t>++</a:t>
             </a:r>
             <a:endParaRPr lang="de-DE" sz="1050" dirty="0">
               <a:latin typeface="Segoe UI" panose="020B0502040204020203" pitchFamily="34" charset="0"/>
@@ -16541,7 +16699,11 @@
             </a:r>
             <a:r>
               <a:rPr lang="de-DE" sz="1000" dirty="0" smtClean="0"/>
-              <a:t> at 200Hz </a:t>
+              <a:t> at </a:t>
+            </a:r>
+            <a:r>
+              <a:rPr lang="de-DE" sz="1000" dirty="0" smtClean="0"/>
+              <a:t>10Hz </a:t>
             </a:r>
             <a:endParaRPr lang="de-DE" sz="1000" dirty="0"/>
           </a:p>
@@ -21185,13 +21347,6 @@
               </a:rPr>
               <a:t> Cortex</a:t>
             </a:r>
-            <a:endParaRPr lang="de-DE" sz="1050" dirty="0" smtClean="0">
-              <a:solidFill>
-                <a:schemeClr val="tx1"/>
-              </a:solidFill>
-              <a:latin typeface="Segoe UI" panose="020B0502040204020203" pitchFamily="34" charset="0"/>
-              <a:cs typeface="Segoe UI" panose="020B0502040204020203" pitchFamily="34" charset="0"/>
-            </a:endParaRPr>
           </a:p>
           <a:p>
             <a:r>
@@ -21224,13 +21379,6 @@
               </a:rPr>
               <a:t> 3.5)</a:t>
             </a:r>
-            <a:endParaRPr lang="de-DE" sz="1050" dirty="0" smtClean="0">
-              <a:solidFill>
-                <a:schemeClr val="tx1"/>
-              </a:solidFill>
-              <a:latin typeface="Segoe UI" panose="020B0502040204020203" pitchFamily="34" charset="0"/>
-              <a:cs typeface="Segoe UI" panose="020B0502040204020203" pitchFamily="34" charset="0"/>
-            </a:endParaRPr>
           </a:p>
           <a:p>
             <a:r>
@@ -21241,17 +21389,7 @@
                 <a:latin typeface="Segoe UI" panose="020B0502040204020203" pitchFamily="34" charset="0"/>
                 <a:cs typeface="Segoe UI" panose="020B0502040204020203" pitchFamily="34" charset="0"/>
               </a:rPr>
-              <a:t>Low </a:t>
-            </a:r>
-            <a:r>
-              <a:rPr lang="de-DE" sz="1050" dirty="0" err="1" smtClean="0">
-                <a:solidFill>
-                  <a:schemeClr val="tx1"/>
-                </a:solidFill>
-                <a:latin typeface="Segoe UI" panose="020B0502040204020203" pitchFamily="34" charset="0"/>
-                <a:cs typeface="Segoe UI" panose="020B0502040204020203" pitchFamily="34" charset="0"/>
-              </a:rPr>
-              <a:t>level</a:t>
+              <a:t>Realtime </a:t>
             </a:r>
             <a:r>
               <a:rPr lang="de-DE" sz="1050" dirty="0" smtClean="0">
@@ -21261,7 +21399,7 @@
                 <a:latin typeface="Segoe UI" panose="020B0502040204020203" pitchFamily="34" charset="0"/>
                 <a:cs typeface="Segoe UI" panose="020B0502040204020203" pitchFamily="34" charset="0"/>
               </a:rPr>
-              <a:t> C++</a:t>
+              <a:t>C++</a:t>
             </a:r>
             <a:endParaRPr lang="de-DE" sz="1050" dirty="0">
               <a:solidFill>
@@ -21281,8 +21419,8 @@
         </p:nvSpPr>
         <p:spPr>
           <a:xfrm>
-            <a:off x="4694241" y="1962374"/>
-            <a:ext cx="922604" cy="914400"/>
+            <a:off x="4527403" y="1962374"/>
+            <a:ext cx="1089443" cy="914400"/>
           </a:xfrm>
           <a:prstGeom prst="rect">
             <a:avLst/>
@@ -21327,6 +21465,22 @@
               <a:rPr lang="de-DE" sz="1000" dirty="0" err="1" smtClean="0"/>
               <a:t>generator</a:t>
             </a:r>
+            <a:endParaRPr lang="de-DE" sz="1000" dirty="0" smtClean="0"/>
+          </a:p>
+          <a:p>
+            <a:pPr algn="ctr"/>
+            <a:r>
+              <a:rPr lang="de-DE" sz="1000" dirty="0" smtClean="0"/>
+              <a:t>(</a:t>
+            </a:r>
+            <a:r>
+              <a:rPr lang="de-DE" sz="1000" dirty="0" err="1" smtClean="0"/>
+              <a:t>AccelStepper</a:t>
+            </a:r>
+            <a:r>
+              <a:rPr lang="de-DE" sz="1000" dirty="0" smtClean="0"/>
+              <a:t>)</a:t>
+            </a:r>
             <a:endParaRPr lang="de-DE" sz="1000" dirty="0"/>
           </a:p>
         </p:txBody>
@@ -21340,7 +21494,7 @@
         <p:spPr>
           <a:xfrm>
             <a:off x="3457819" y="1962374"/>
-            <a:ext cx="922604" cy="914400"/>
+            <a:ext cx="970202" cy="914400"/>
           </a:xfrm>
           <a:prstGeom prst="rect">
             <a:avLst/>
@@ -21452,10 +21606,6 @@
               </a:rPr>
               <a:t> Stepper Drivers</a:t>
             </a:r>
-            <a:endParaRPr lang="de-DE" sz="1050" dirty="0" smtClean="0">
-              <a:latin typeface="Segoe UI" panose="020B0502040204020203" pitchFamily="34" charset="0"/>
-              <a:cs typeface="Segoe UI" panose="020B0502040204020203" pitchFamily="34" charset="0"/>
-            </a:endParaRPr>
           </a:p>
         </p:txBody>
       </p:sp>
@@ -21470,8 +21620,8 @@
         </p:nvCxnSpPr>
         <p:spPr>
           <a:xfrm flipV="1">
-            <a:off x="5616845" y="2410036"/>
-            <a:ext cx="1475435" cy="9538"/>
+            <a:off x="5616846" y="2410036"/>
+            <a:ext cx="1475434" cy="9538"/>
           </a:xfrm>
           <a:prstGeom prst="straightConnector1">
             <a:avLst/>
@@ -21691,7 +21841,6 @@
               <a:rPr lang="de-DE" sz="1000" dirty="0" smtClean="0"/>
               <a:t> </a:t>
             </a:r>
-            <a:endParaRPr lang="de-DE" sz="1000" dirty="0" smtClean="0"/>
           </a:p>
           <a:p>
             <a:r>
@@ -21710,9 +21859,9 @@
           <p:nvPr/>
         </p:nvCxnSpPr>
         <p:spPr>
-          <a:xfrm flipV="1">
-            <a:off x="3919121" y="1713002"/>
-            <a:ext cx="14234" cy="249372"/>
+          <a:xfrm flipH="1" flipV="1">
+            <a:off x="3933356" y="1713002"/>
+            <a:ext cx="9564" cy="249372"/>
           </a:xfrm>
           <a:prstGeom prst="straightConnector1">
             <a:avLst/>
@@ -21797,8 +21946,8 @@
         </p:nvCxnSpPr>
         <p:spPr>
           <a:xfrm>
-            <a:off x="5155543" y="1713002"/>
-            <a:ext cx="0" cy="249372"/>
+            <a:off x="5068262" y="1713002"/>
+            <a:ext cx="3863" cy="249372"/>
           </a:xfrm>
           <a:prstGeom prst="straightConnector1">
             <a:avLst/>
@@ -21953,8 +22102,8 @@
         </p:nvCxnSpPr>
         <p:spPr>
           <a:xfrm rot="16200000" flipH="1">
-            <a:off x="3741979" y="3053915"/>
-            <a:ext cx="1403206" cy="1048923"/>
+            <a:off x="3753879" y="3065815"/>
+            <a:ext cx="1403206" cy="1025124"/>
           </a:xfrm>
           <a:prstGeom prst="bentConnector2">
             <a:avLst/>
@@ -22106,7 +22255,7 @@
             </a:r>
             <a:r>
               <a:rPr lang="de-DE" sz="1000" dirty="0" smtClean="0"/>
-              <a:t>50 </a:t>
+              <a:t>10 </a:t>
             </a:r>
             <a:r>
               <a:rPr lang="de-DE" sz="1000" dirty="0" smtClean="0"/>
@@ -22390,15 +22539,12 @@
       <p:cxnSp>
         <p:nvCxnSpPr>
           <p:cNvPr id="135" name="Gewinkelte Verbindung 134"/>
-          <p:cNvCxnSpPr>
-            <a:stCxn id="112" idx="2"/>
-            <a:endCxn id="134" idx="0"/>
-          </p:cNvCxnSpPr>
+          <p:cNvCxnSpPr/>
           <p:nvPr/>
         </p:nvCxnSpPr>
         <p:spPr>
           <a:xfrm>
-            <a:off x="2216778" y="2079191"/>
+            <a:off x="2211335" y="2079191"/>
             <a:ext cx="963846" cy="1952958"/>
           </a:xfrm>
           <a:prstGeom prst="bentConnector2">
@@ -22431,8 +22577,8 @@
         </p:nvSpPr>
         <p:spPr>
           <a:xfrm>
-            <a:off x="3124470" y="3228350"/>
-            <a:ext cx="716863" cy="553998"/>
+            <a:off x="3119027" y="3228350"/>
+            <a:ext cx="732893" cy="553998"/>
           </a:xfrm>
           <a:prstGeom prst="rect">
             <a:avLst/>
@@ -22447,12 +22593,13 @@
           <a:p>
             <a:r>
               <a:rPr lang="de-DE" sz="1000" dirty="0" err="1" smtClean="0"/>
-              <a:t>Herkulex</a:t>
+              <a:t>HerkuleX</a:t>
             </a:r>
             <a:r>
               <a:rPr lang="de-DE" sz="1000" dirty="0" smtClean="0"/>
               <a:t> </a:t>
             </a:r>
+            <a:endParaRPr lang="de-DE" sz="1000" dirty="0" smtClean="0"/>
           </a:p>
           <a:p>
             <a:r>
@@ -22476,8 +22623,8 @@
         </p:nvSpPr>
         <p:spPr>
           <a:xfrm>
-            <a:off x="2418892" y="1931954"/>
-            <a:ext cx="922604" cy="914400"/>
+            <a:off x="2418892" y="1945086"/>
+            <a:ext cx="922604" cy="931688"/>
           </a:xfrm>
           <a:prstGeom prst="rect">
             <a:avLst/>
@@ -22527,7 +22674,65 @@
               <a:rPr lang="de-DE" sz="1000" dirty="0" err="1" smtClean="0"/>
               <a:t>driver</a:t>
             </a:r>
-            <a:endParaRPr lang="de-DE" sz="1000" dirty="0"/>
+            <a:endParaRPr lang="de-DE" sz="1000" dirty="0" smtClean="0"/>
+          </a:p>
+        </p:txBody>
+      </p:sp>
+      <p:sp>
+        <p:nvSpPr>
+          <p:cNvPr id="39" name="Textfeld 38"/>
+          <p:cNvSpPr txBox="1"/>
+          <p:nvPr/>
+        </p:nvSpPr>
+        <p:spPr>
+          <a:xfrm>
+            <a:off x="3501291" y="784906"/>
+            <a:ext cx="1941557" cy="246221"/>
+          </a:xfrm>
+          <a:prstGeom prst="rect">
+            <a:avLst/>
+          </a:prstGeom>
+          <a:noFill/>
+        </p:spPr>
+        <p:txBody>
+          <a:bodyPr wrap="none" rtlCol="0">
+            <a:spAutoFit/>
+          </a:bodyPr>
+          <a:lstStyle/>
+          <a:p>
+            <a:r>
+              <a:rPr lang="de-DE" sz="1000" dirty="0" err="1" smtClean="0"/>
+              <a:t>closed</a:t>
+            </a:r>
+            <a:r>
+              <a:rPr lang="de-DE" sz="1000" dirty="0" smtClean="0"/>
+              <a:t> </a:t>
+            </a:r>
+            <a:r>
+              <a:rPr lang="de-DE" sz="1000" dirty="0" err="1" smtClean="0"/>
+              <a:t>loop</a:t>
+            </a:r>
+            <a:r>
+              <a:rPr lang="de-DE" sz="1000" dirty="0" smtClean="0"/>
+              <a:t> </a:t>
+            </a:r>
+            <a:r>
+              <a:rPr lang="de-DE" sz="1000" dirty="0" err="1" smtClean="0"/>
+              <a:t>runnig</a:t>
+            </a:r>
+            <a:r>
+              <a:rPr lang="de-DE" sz="1000" dirty="0" smtClean="0"/>
+              <a:t> </a:t>
+            </a:r>
+            <a:r>
+              <a:rPr lang="de-DE" sz="1000" dirty="0" err="1" smtClean="0"/>
+              <a:t>with</a:t>
+            </a:r>
+            <a:r>
+              <a:rPr lang="de-DE" sz="1000" dirty="0" smtClean="0"/>
+              <a:t> 100 Hz</a:t>
+            </a:r>
+            <a:endParaRPr lang="de-DE" sz="1000" dirty="0" smtClean="0"/>
           </a:p>
         </p:txBody>
       </p:sp>

--- a/doc/Walter Documentation.pptx
+++ b/doc/Walter Documentation.pptx
@@ -214,7 +214,7 @@
           <a:p>
             <a:fld id="{24CAD8AF-FB06-4225-9C3C-63F205CE0062}" type="datetimeFigureOut">
               <a:rPr lang="de-DE" smtClean="0"/>
-              <a:t>18.01.2017</a:t>
+              <a:t>30.01.2017</a:t>
             </a:fld>
             <a:endParaRPr lang="de-DE"/>
           </a:p>
@@ -915,7 +915,7 @@
           <a:p>
             <a:fld id="{1BA50D42-C9CD-4801-B293-61D1F53EC57E}" type="datetimeFigureOut">
               <a:rPr lang="de-DE" smtClean="0"/>
-              <a:t>18.01.2017</a:t>
+              <a:t>30.01.2017</a:t>
             </a:fld>
             <a:endParaRPr lang="de-DE"/>
           </a:p>
@@ -1080,7 +1080,7 @@
           <a:p>
             <a:fld id="{1BA50D42-C9CD-4801-B293-61D1F53EC57E}" type="datetimeFigureOut">
               <a:rPr lang="de-DE" smtClean="0"/>
-              <a:t>18.01.2017</a:t>
+              <a:t>30.01.2017</a:t>
             </a:fld>
             <a:endParaRPr lang="de-DE"/>
           </a:p>
@@ -1255,7 +1255,7 @@
           <a:p>
             <a:fld id="{1BA50D42-C9CD-4801-B293-61D1F53EC57E}" type="datetimeFigureOut">
               <a:rPr lang="de-DE" smtClean="0"/>
-              <a:t>18.01.2017</a:t>
+              <a:t>30.01.2017</a:t>
             </a:fld>
             <a:endParaRPr lang="de-DE"/>
           </a:p>
@@ -1420,7 +1420,7 @@
           <a:p>
             <a:fld id="{1BA50D42-C9CD-4801-B293-61D1F53EC57E}" type="datetimeFigureOut">
               <a:rPr lang="de-DE" smtClean="0"/>
-              <a:t>18.01.2017</a:t>
+              <a:t>30.01.2017</a:t>
             </a:fld>
             <a:endParaRPr lang="de-DE"/>
           </a:p>
@@ -1661,7 +1661,7 @@
           <a:p>
             <a:fld id="{1BA50D42-C9CD-4801-B293-61D1F53EC57E}" type="datetimeFigureOut">
               <a:rPr lang="de-DE" smtClean="0"/>
-              <a:t>18.01.2017</a:t>
+              <a:t>30.01.2017</a:t>
             </a:fld>
             <a:endParaRPr lang="de-DE"/>
           </a:p>
@@ -1944,7 +1944,7 @@
           <a:p>
             <a:fld id="{1BA50D42-C9CD-4801-B293-61D1F53EC57E}" type="datetimeFigureOut">
               <a:rPr lang="de-DE" smtClean="0"/>
-              <a:t>18.01.2017</a:t>
+              <a:t>30.01.2017</a:t>
             </a:fld>
             <a:endParaRPr lang="de-DE"/>
           </a:p>
@@ -2361,7 +2361,7 @@
           <a:p>
             <a:fld id="{1BA50D42-C9CD-4801-B293-61D1F53EC57E}" type="datetimeFigureOut">
               <a:rPr lang="de-DE" smtClean="0"/>
-              <a:t>18.01.2017</a:t>
+              <a:t>30.01.2017</a:t>
             </a:fld>
             <a:endParaRPr lang="de-DE"/>
           </a:p>
@@ -2474,7 +2474,7 @@
           <a:p>
             <a:fld id="{1BA50D42-C9CD-4801-B293-61D1F53EC57E}" type="datetimeFigureOut">
               <a:rPr lang="de-DE" smtClean="0"/>
-              <a:t>18.01.2017</a:t>
+              <a:t>30.01.2017</a:t>
             </a:fld>
             <a:endParaRPr lang="de-DE"/>
           </a:p>
@@ -2564,7 +2564,7 @@
           <a:p>
             <a:fld id="{1BA50D42-C9CD-4801-B293-61D1F53EC57E}" type="datetimeFigureOut">
               <a:rPr lang="de-DE" smtClean="0"/>
-              <a:t>18.01.2017</a:t>
+              <a:t>30.01.2017</a:t>
             </a:fld>
             <a:endParaRPr lang="de-DE"/>
           </a:p>
@@ -2836,7 +2836,7 @@
           <a:p>
             <a:fld id="{1BA50D42-C9CD-4801-B293-61D1F53EC57E}" type="datetimeFigureOut">
               <a:rPr lang="de-DE" smtClean="0"/>
-              <a:t>18.01.2017</a:t>
+              <a:t>30.01.2017</a:t>
             </a:fld>
             <a:endParaRPr lang="de-DE"/>
           </a:p>
@@ -3084,7 +3084,7 @@
           <a:p>
             <a:fld id="{1BA50D42-C9CD-4801-B293-61D1F53EC57E}" type="datetimeFigureOut">
               <a:rPr lang="de-DE" smtClean="0"/>
-              <a:t>18.01.2017</a:t>
+              <a:t>30.01.2017</a:t>
             </a:fld>
             <a:endParaRPr lang="de-DE"/>
           </a:p>
@@ -3292,7 +3292,7 @@
           <a:p>
             <a:fld id="{1BA50D42-C9CD-4801-B293-61D1F53EC57E}" type="datetimeFigureOut">
               <a:rPr lang="de-DE" smtClean="0"/>
-              <a:t>18.01.2017</a:t>
+              <a:t>30.01.2017</a:t>
             </a:fld>
             <a:endParaRPr lang="de-DE"/>
           </a:p>
@@ -9263,14 +9263,7 @@
                 <a:latin typeface="Segoe UI" panose="020B0502040204020203" pitchFamily="34" charset="0"/>
                 <a:cs typeface="Segoe UI" panose="020B0502040204020203" pitchFamily="34" charset="0"/>
               </a:rPr>
-              <a:t> </a:t>
-            </a:r>
-            <a:r>
-              <a:rPr lang="de-DE" sz="1050" dirty="0" smtClean="0">
-                <a:latin typeface="Segoe UI" panose="020B0502040204020203" pitchFamily="34" charset="0"/>
-                <a:cs typeface="Segoe UI" panose="020B0502040204020203" pitchFamily="34" charset="0"/>
-              </a:rPr>
-              <a:t>XU4</a:t>
+              <a:t> XU4</a:t>
             </a:r>
             <a:br>
               <a:rPr lang="de-DE" sz="1050" dirty="0" smtClean="0">
@@ -9283,21 +9276,7 @@
                 <a:latin typeface="Segoe UI" panose="020B0502040204020203" pitchFamily="34" charset="0"/>
                 <a:cs typeface="Segoe UI" panose="020B0502040204020203" pitchFamily="34" charset="0"/>
               </a:rPr>
-              <a:t>L</a:t>
-            </a:r>
-            <a:r>
-              <a:rPr lang="de-DE" sz="1050" dirty="0" smtClean="0">
-                <a:latin typeface="Segoe UI" panose="020B0502040204020203" pitchFamily="34" charset="0"/>
-                <a:cs typeface="Segoe UI" panose="020B0502040204020203" pitchFamily="34" charset="0"/>
-              </a:rPr>
-              <a:t>inux,  </a:t>
-            </a:r>
-            <a:r>
-              <a:rPr lang="de-DE" sz="1050" dirty="0" smtClean="0">
-                <a:latin typeface="Segoe UI" panose="020B0502040204020203" pitchFamily="34" charset="0"/>
-                <a:cs typeface="Segoe UI" panose="020B0502040204020203" pitchFamily="34" charset="0"/>
-              </a:rPr>
-              <a:t>C++</a:t>
+              <a:t>Linux,  C++</a:t>
             </a:r>
             <a:endParaRPr lang="de-DE" sz="1050" dirty="0">
               <a:latin typeface="Segoe UI" panose="020B0502040204020203" pitchFamily="34" charset="0"/>
@@ -13319,35 +13298,17 @@
                 <a:latin typeface="Segoe UI" panose="020B0502040204020203" pitchFamily="34" charset="0"/>
                 <a:cs typeface="Segoe UI" panose="020B0502040204020203" pitchFamily="34" charset="0"/>
               </a:rPr>
-              <a:t>ARM </a:t>
-            </a:r>
+              <a:t>ARM Cortex M4</a:t>
+            </a:r>
+          </a:p>
+          <a:p>
+            <a:pPr algn="ctr"/>
             <a:r>
               <a:rPr lang="de-DE" sz="1050" dirty="0" smtClean="0">
                 <a:latin typeface="Segoe UI" panose="020B0502040204020203" pitchFamily="34" charset="0"/>
                 <a:cs typeface="Segoe UI" panose="020B0502040204020203" pitchFamily="34" charset="0"/>
               </a:rPr>
-              <a:t>Cortex M4</a:t>
-            </a:r>
-            <a:endParaRPr lang="de-DE" sz="1050" dirty="0" smtClean="0">
-              <a:latin typeface="Segoe UI" panose="020B0502040204020203" pitchFamily="34" charset="0"/>
-              <a:cs typeface="Segoe UI" panose="020B0502040204020203" pitchFamily="34" charset="0"/>
-            </a:endParaRPr>
-          </a:p>
-          <a:p>
-            <a:pPr algn="ctr"/>
-            <a:r>
-              <a:rPr lang="de-DE" sz="1050" dirty="0" smtClean="0">
-                <a:latin typeface="Segoe UI" panose="020B0502040204020203" pitchFamily="34" charset="0"/>
-                <a:cs typeface="Segoe UI" panose="020B0502040204020203" pitchFamily="34" charset="0"/>
-              </a:rPr>
-              <a:t>Realtime C</a:t>
-            </a:r>
-            <a:r>
-              <a:rPr lang="de-DE" sz="1050" dirty="0" smtClean="0">
-                <a:latin typeface="Segoe UI" panose="020B0502040204020203" pitchFamily="34" charset="0"/>
-                <a:cs typeface="Segoe UI" panose="020B0502040204020203" pitchFamily="34" charset="0"/>
-              </a:rPr>
-              <a:t>++</a:t>
+              <a:t>Realtime C++</a:t>
             </a:r>
             <a:endParaRPr lang="de-DE" sz="1050" dirty="0">
               <a:latin typeface="Segoe UI" panose="020B0502040204020203" pitchFamily="34" charset="0"/>
@@ -14549,14 +14510,7 @@
                 <a:latin typeface="Segoe UI" panose="020B0502040204020203" pitchFamily="34" charset="0"/>
                 <a:cs typeface="Segoe UI" panose="020B0502040204020203" pitchFamily="34" charset="0"/>
               </a:rPr>
-              <a:t>Linux C</a:t>
-            </a:r>
-            <a:r>
-              <a:rPr lang="de-DE" sz="1050" dirty="0" smtClean="0">
-                <a:latin typeface="Segoe UI" panose="020B0502040204020203" pitchFamily="34" charset="0"/>
-                <a:cs typeface="Segoe UI" panose="020B0502040204020203" pitchFamily="34" charset="0"/>
-              </a:rPr>
-              <a:t>++</a:t>
+              <a:t>Linux C++</a:t>
             </a:r>
             <a:endParaRPr lang="de-DE" sz="1050" dirty="0">
               <a:latin typeface="Segoe UI" panose="020B0502040204020203" pitchFamily="34" charset="0"/>
@@ -15276,21 +15230,7 @@
                 <a:latin typeface="Segoe UI" panose="020B0502040204020203" pitchFamily="34" charset="0"/>
                 <a:cs typeface="Segoe UI" panose="020B0502040204020203" pitchFamily="34" charset="0"/>
               </a:rPr>
-              <a:t>Arm Cortex M4 </a:t>
-            </a:r>
-            <a:r>
-              <a:rPr lang="de-DE" sz="1050" dirty="0" smtClean="0">
-                <a:latin typeface="Segoe UI" panose="020B0502040204020203" pitchFamily="34" charset="0"/>
-                <a:cs typeface="Segoe UI" panose="020B0502040204020203" pitchFamily="34" charset="0"/>
-              </a:rPr>
-              <a:t>Realtime C</a:t>
-            </a:r>
-            <a:r>
-              <a:rPr lang="de-DE" sz="1050" dirty="0" smtClean="0">
-                <a:latin typeface="Segoe UI" panose="020B0502040204020203" pitchFamily="34" charset="0"/>
-                <a:cs typeface="Segoe UI" panose="020B0502040204020203" pitchFamily="34" charset="0"/>
-              </a:rPr>
-              <a:t>++</a:t>
+              <a:t>Arm Cortex M4 Realtime C++</a:t>
             </a:r>
             <a:endParaRPr lang="de-DE" sz="1050" dirty="0">
               <a:latin typeface="Segoe UI" panose="020B0502040204020203" pitchFamily="34" charset="0"/>
@@ -16699,11 +16639,7 @@
             </a:r>
             <a:r>
               <a:rPr lang="de-DE" sz="1000" dirty="0" smtClean="0"/>
-              <a:t> at </a:t>
-            </a:r>
-            <a:r>
-              <a:rPr lang="de-DE" sz="1000" dirty="0" smtClean="0"/>
-              <a:t>10Hz </a:t>
+              <a:t> at 10Hz </a:t>
             </a:r>
             <a:endParaRPr lang="de-DE" sz="1000" dirty="0"/>
           </a:p>
@@ -21205,6 +21141,1701 @@
           </a:fontRef>
         </p:style>
       </p:cxnSp>
+      <p:cxnSp>
+        <p:nvCxnSpPr>
+          <p:cNvPr id="32" name="Gerade Verbindung mit Pfeil 31"/>
+          <p:cNvCxnSpPr/>
+          <p:nvPr/>
+        </p:nvCxnSpPr>
+        <p:spPr>
+          <a:xfrm>
+            <a:off x="2314825" y="2006061"/>
+            <a:ext cx="2376264" cy="0"/>
+          </a:xfrm>
+          <a:prstGeom prst="straightConnector1">
+            <a:avLst/>
+          </a:prstGeom>
+          <a:ln>
+            <a:solidFill>
+              <a:schemeClr val="bg1">
+                <a:lumMod val="50000"/>
+              </a:schemeClr>
+            </a:solidFill>
+            <a:tailEnd type="arrow"/>
+          </a:ln>
+        </p:spPr>
+        <p:style>
+          <a:lnRef idx="1">
+            <a:schemeClr val="accent1"/>
+          </a:lnRef>
+          <a:fillRef idx="0">
+            <a:schemeClr val="accent1"/>
+          </a:fillRef>
+          <a:effectRef idx="0">
+            <a:schemeClr val="accent1"/>
+          </a:effectRef>
+          <a:fontRef idx="minor">
+            <a:schemeClr val="tx1"/>
+          </a:fontRef>
+        </p:style>
+      </p:cxnSp>
+      <p:cxnSp>
+        <p:nvCxnSpPr>
+          <p:cNvPr id="33" name="Gerade Verbindung mit Pfeil 32"/>
+          <p:cNvCxnSpPr/>
+          <p:nvPr/>
+        </p:nvCxnSpPr>
+        <p:spPr>
+          <a:xfrm flipV="1">
+            <a:off x="2467225" y="421885"/>
+            <a:ext cx="0" cy="1736576"/>
+          </a:xfrm>
+          <a:prstGeom prst="straightConnector1">
+            <a:avLst/>
+          </a:prstGeom>
+          <a:ln>
+            <a:solidFill>
+              <a:schemeClr val="bg1">
+                <a:lumMod val="50000"/>
+              </a:schemeClr>
+            </a:solidFill>
+            <a:tailEnd type="arrow"/>
+          </a:ln>
+        </p:spPr>
+        <p:style>
+          <a:lnRef idx="1">
+            <a:schemeClr val="accent1"/>
+          </a:lnRef>
+          <a:fillRef idx="0">
+            <a:schemeClr val="accent1"/>
+          </a:fillRef>
+          <a:effectRef idx="0">
+            <a:schemeClr val="accent1"/>
+          </a:effectRef>
+          <a:fontRef idx="minor">
+            <a:schemeClr val="tx1"/>
+          </a:fontRef>
+        </p:style>
+      </p:cxnSp>
+      <p:sp>
+        <p:nvSpPr>
+          <p:cNvPr id="34" name="Freihandform 33"/>
+          <p:cNvSpPr/>
+          <p:nvPr/>
+        </p:nvSpPr>
+        <p:spPr>
+          <a:xfrm>
+            <a:off x="2601969" y="920566"/>
+            <a:ext cx="1915160" cy="761728"/>
+          </a:xfrm>
+          <a:custGeom>
+            <a:avLst/>
+            <a:gdLst>
+              <a:gd name="connsiteX0" fmla="*/ 0 w 1915160"/>
+              <a:gd name="connsiteY0" fmla="*/ 726504 h 741744"/>
+              <a:gd name="connsiteX1" fmla="*/ 421640 w 1915160"/>
+              <a:gd name="connsiteY1" fmla="*/ 116904 h 741744"/>
+              <a:gd name="connsiteX2" fmla="*/ 1427480 w 1915160"/>
+              <a:gd name="connsiteY2" fmla="*/ 55944 h 741744"/>
+              <a:gd name="connsiteX3" fmla="*/ 1915160 w 1915160"/>
+              <a:gd name="connsiteY3" fmla="*/ 741744 h 741744"/>
+              <a:gd name="connsiteX0" fmla="*/ 0 w 1915160"/>
+              <a:gd name="connsiteY0" fmla="*/ 813597 h 828837"/>
+              <a:gd name="connsiteX1" fmla="*/ 421640 w 1915160"/>
+              <a:gd name="connsiteY1" fmla="*/ 203997 h 828837"/>
+              <a:gd name="connsiteX2" fmla="*/ 1427480 w 1915160"/>
+              <a:gd name="connsiteY2" fmla="*/ 143037 h 828837"/>
+              <a:gd name="connsiteX3" fmla="*/ 1915160 w 1915160"/>
+              <a:gd name="connsiteY3" fmla="*/ 828837 h 828837"/>
+              <a:gd name="connsiteX0" fmla="*/ 0 w 1915160"/>
+              <a:gd name="connsiteY0" fmla="*/ 734188 h 749428"/>
+              <a:gd name="connsiteX1" fmla="*/ 421640 w 1915160"/>
+              <a:gd name="connsiteY1" fmla="*/ 124588 h 749428"/>
+              <a:gd name="connsiteX2" fmla="*/ 1427480 w 1915160"/>
+              <a:gd name="connsiteY2" fmla="*/ 63628 h 749428"/>
+              <a:gd name="connsiteX3" fmla="*/ 1915160 w 1915160"/>
+              <a:gd name="connsiteY3" fmla="*/ 749428 h 749428"/>
+              <a:gd name="connsiteX0" fmla="*/ 0 w 1915160"/>
+              <a:gd name="connsiteY0" fmla="*/ 746488 h 761728"/>
+              <a:gd name="connsiteX1" fmla="*/ 421640 w 1915160"/>
+              <a:gd name="connsiteY1" fmla="*/ 136888 h 761728"/>
+              <a:gd name="connsiteX2" fmla="*/ 1427480 w 1915160"/>
+              <a:gd name="connsiteY2" fmla="*/ 75928 h 761728"/>
+              <a:gd name="connsiteX3" fmla="*/ 1915160 w 1915160"/>
+              <a:gd name="connsiteY3" fmla="*/ 761728 h 761728"/>
+            </a:gdLst>
+            <a:ahLst/>
+            <a:cxnLst>
+              <a:cxn ang="0">
+                <a:pos x="connsiteX0" y="connsiteY0"/>
+              </a:cxn>
+              <a:cxn ang="0">
+                <a:pos x="connsiteX1" y="connsiteY1"/>
+              </a:cxn>
+              <a:cxn ang="0">
+                <a:pos x="connsiteX2" y="connsiteY2"/>
+              </a:cxn>
+              <a:cxn ang="0">
+                <a:pos x="connsiteX3" y="connsiteY3"/>
+              </a:cxn>
+            </a:cxnLst>
+            <a:rect l="l" t="t" r="r" b="b"/>
+            <a:pathLst>
+              <a:path w="1915160" h="761728">
+                <a:moveTo>
+                  <a:pt x="0" y="746488"/>
+                </a:moveTo>
+                <a:cubicBezTo>
+                  <a:pt x="91863" y="497568"/>
+                  <a:pt x="150072" y="275953"/>
+                  <a:pt x="421640" y="136888"/>
+                </a:cubicBezTo>
+                <a:cubicBezTo>
+                  <a:pt x="693208" y="-2177"/>
+                  <a:pt x="1140460" y="-56787"/>
+                  <a:pt x="1427480" y="75928"/>
+                </a:cubicBezTo>
+                <a:cubicBezTo>
+                  <a:pt x="1714500" y="208643"/>
+                  <a:pt x="1915160" y="761728"/>
+                  <a:pt x="1915160" y="761728"/>
+                </a:cubicBezTo>
+              </a:path>
+            </a:pathLst>
+          </a:custGeom>
+          <a:noFill/>
+        </p:spPr>
+        <p:style>
+          <a:lnRef idx="2">
+            <a:schemeClr val="accent1">
+              <a:shade val="50000"/>
+            </a:schemeClr>
+          </a:lnRef>
+          <a:fillRef idx="1">
+            <a:schemeClr val="accent1"/>
+          </a:fillRef>
+          <a:effectRef idx="0">
+            <a:schemeClr val="accent1"/>
+          </a:effectRef>
+          <a:fontRef idx="minor">
+            <a:schemeClr val="lt1"/>
+          </a:fontRef>
+        </p:style>
+        <p:txBody>
+          <a:bodyPr rtlCol="0" anchor="ctr"/>
+          <a:lstStyle/>
+          <a:p>
+            <a:pPr algn="ctr"/>
+            <a:endParaRPr lang="de-DE"/>
+          </a:p>
+        </p:txBody>
+      </p:sp>
+      <p:cxnSp>
+        <p:nvCxnSpPr>
+          <p:cNvPr id="35" name="Gerade Verbindung 31"/>
+          <p:cNvCxnSpPr>
+            <a:stCxn id="34" idx="2"/>
+            <a:endCxn id="34" idx="1"/>
+          </p:cNvCxnSpPr>
+          <p:nvPr/>
+        </p:nvCxnSpPr>
+        <p:spPr>
+          <a:xfrm flipH="1">
+            <a:off x="3023609" y="996494"/>
+            <a:ext cx="1005840" cy="60960"/>
+          </a:xfrm>
+          <a:prstGeom prst="line">
+            <a:avLst/>
+          </a:prstGeom>
+          <a:ln>
+            <a:solidFill>
+              <a:schemeClr val="bg1">
+                <a:lumMod val="75000"/>
+              </a:schemeClr>
+            </a:solidFill>
+          </a:ln>
+        </p:spPr>
+        <p:style>
+          <a:lnRef idx="1">
+            <a:schemeClr val="accent1"/>
+          </a:lnRef>
+          <a:fillRef idx="0">
+            <a:schemeClr val="accent1"/>
+          </a:fillRef>
+          <a:effectRef idx="0">
+            <a:schemeClr val="accent1"/>
+          </a:effectRef>
+          <a:fontRef idx="minor">
+            <a:schemeClr val="tx1"/>
+          </a:fontRef>
+        </p:style>
+      </p:cxnSp>
+      <p:sp>
+        <p:nvSpPr>
+          <p:cNvPr id="36" name="Textfeld 35"/>
+          <p:cNvSpPr txBox="1"/>
+          <p:nvPr/>
+        </p:nvSpPr>
+        <p:spPr>
+          <a:xfrm>
+            <a:off x="2590560" y="1627437"/>
+            <a:ext cx="268022" cy="246221"/>
+          </a:xfrm>
+          <a:prstGeom prst="rect">
+            <a:avLst/>
+          </a:prstGeom>
+          <a:noFill/>
+        </p:spPr>
+        <p:txBody>
+          <a:bodyPr wrap="none" rtlCol="0">
+            <a:spAutoFit/>
+          </a:bodyPr>
+          <a:lstStyle/>
+          <a:p>
+            <a:r>
+              <a:rPr lang="de-DE" sz="1000" dirty="0" smtClean="0">
+                <a:cs typeface="Segoe UI" panose="020B0502040204020203" pitchFamily="34" charset="0"/>
+              </a:rPr>
+              <a:t>A</a:t>
+            </a:r>
+            <a:endParaRPr lang="de-DE" sz="1000" dirty="0">
+              <a:cs typeface="Segoe UI" panose="020B0502040204020203" pitchFamily="34" charset="0"/>
+            </a:endParaRPr>
+          </a:p>
+        </p:txBody>
+      </p:sp>
+      <p:sp>
+        <p:nvSpPr>
+          <p:cNvPr id="38" name="Textfeld 37"/>
+          <p:cNvSpPr txBox="1"/>
+          <p:nvPr/>
+        </p:nvSpPr>
+        <p:spPr>
+          <a:xfrm>
+            <a:off x="3017126" y="996493"/>
+            <a:ext cx="268022" cy="246221"/>
+          </a:xfrm>
+          <a:prstGeom prst="rect">
+            <a:avLst/>
+          </a:prstGeom>
+          <a:noFill/>
+        </p:spPr>
+        <p:txBody>
+          <a:bodyPr wrap="none" rtlCol="0">
+            <a:spAutoFit/>
+          </a:bodyPr>
+          <a:lstStyle/>
+          <a:p>
+            <a:r>
+              <a:rPr lang="de-DE" sz="1000" dirty="0" smtClean="0">
+                <a:cs typeface="Segoe UI" panose="020B0502040204020203" pitchFamily="34" charset="0"/>
+              </a:rPr>
+              <a:t>B</a:t>
+            </a:r>
+            <a:endParaRPr lang="de-DE" sz="1000" dirty="0">
+              <a:cs typeface="Segoe UI" panose="020B0502040204020203" pitchFamily="34" charset="0"/>
+            </a:endParaRPr>
+          </a:p>
+        </p:txBody>
+      </p:sp>
+      <p:sp>
+        <p:nvSpPr>
+          <p:cNvPr id="39" name="Textfeld 38"/>
+          <p:cNvSpPr txBox="1"/>
+          <p:nvPr/>
+        </p:nvSpPr>
+        <p:spPr>
+          <a:xfrm>
+            <a:off x="4031127" y="811232"/>
+            <a:ext cx="268022" cy="246221"/>
+          </a:xfrm>
+          <a:prstGeom prst="rect">
+            <a:avLst/>
+          </a:prstGeom>
+          <a:noFill/>
+        </p:spPr>
+        <p:txBody>
+          <a:bodyPr wrap="none" rtlCol="0">
+            <a:spAutoFit/>
+          </a:bodyPr>
+          <a:lstStyle/>
+          <a:p>
+            <a:r>
+              <a:rPr lang="de-DE" sz="1000" dirty="0" smtClean="0">
+                <a:cs typeface="Segoe UI" panose="020B0502040204020203" pitchFamily="34" charset="0"/>
+              </a:rPr>
+              <a:t>C</a:t>
+            </a:r>
+            <a:endParaRPr lang="de-DE" sz="1000" dirty="0">
+              <a:cs typeface="Segoe UI" panose="020B0502040204020203" pitchFamily="34" charset="0"/>
+            </a:endParaRPr>
+          </a:p>
+        </p:txBody>
+      </p:sp>
+      <p:sp>
+        <p:nvSpPr>
+          <p:cNvPr id="41" name="Textfeld 40"/>
+          <p:cNvSpPr txBox="1"/>
+          <p:nvPr/>
+        </p:nvSpPr>
+        <p:spPr>
+          <a:xfrm>
+            <a:off x="4538813" y="1579469"/>
+            <a:ext cx="274434" cy="246221"/>
+          </a:xfrm>
+          <a:prstGeom prst="rect">
+            <a:avLst/>
+          </a:prstGeom>
+          <a:noFill/>
+        </p:spPr>
+        <p:txBody>
+          <a:bodyPr wrap="none" rtlCol="0">
+            <a:spAutoFit/>
+          </a:bodyPr>
+          <a:lstStyle/>
+          <a:p>
+            <a:r>
+              <a:rPr lang="de-DE" sz="1000" dirty="0" smtClean="0">
+                <a:cs typeface="Segoe UI" panose="020B0502040204020203" pitchFamily="34" charset="0"/>
+              </a:rPr>
+              <a:t>D</a:t>
+            </a:r>
+            <a:endParaRPr lang="de-DE" sz="1000" dirty="0">
+              <a:cs typeface="Segoe UI" panose="020B0502040204020203" pitchFamily="34" charset="0"/>
+            </a:endParaRPr>
+          </a:p>
+        </p:txBody>
+      </p:sp>
+      <p:cxnSp>
+        <p:nvCxnSpPr>
+          <p:cNvPr id="43" name="Gerade Verbindung 43"/>
+          <p:cNvCxnSpPr>
+            <a:stCxn id="34" idx="1"/>
+          </p:cNvCxnSpPr>
+          <p:nvPr/>
+        </p:nvCxnSpPr>
+        <p:spPr>
+          <a:xfrm flipV="1">
+            <a:off x="3023609" y="853458"/>
+            <a:ext cx="371336" cy="203996"/>
+          </a:xfrm>
+          <a:prstGeom prst="line">
+            <a:avLst/>
+          </a:prstGeom>
+          <a:ln>
+            <a:solidFill>
+              <a:schemeClr val="bg1">
+                <a:lumMod val="75000"/>
+              </a:schemeClr>
+            </a:solidFill>
+          </a:ln>
+        </p:spPr>
+        <p:style>
+          <a:lnRef idx="1">
+            <a:schemeClr val="accent1"/>
+          </a:lnRef>
+          <a:fillRef idx="0">
+            <a:schemeClr val="accent1"/>
+          </a:fillRef>
+          <a:effectRef idx="0">
+            <a:schemeClr val="accent1"/>
+          </a:effectRef>
+          <a:fontRef idx="minor">
+            <a:schemeClr val="tx1"/>
+          </a:fontRef>
+        </p:style>
+      </p:cxnSp>
+      <p:cxnSp>
+        <p:nvCxnSpPr>
+          <p:cNvPr id="44" name="Gerade Verbindung 51"/>
+          <p:cNvCxnSpPr>
+            <a:endCxn id="34" idx="1"/>
+          </p:cNvCxnSpPr>
+          <p:nvPr/>
+        </p:nvCxnSpPr>
+        <p:spPr>
+          <a:xfrm flipV="1">
+            <a:off x="2610859" y="1057454"/>
+            <a:ext cx="412750" cy="624842"/>
+          </a:xfrm>
+          <a:prstGeom prst="line">
+            <a:avLst/>
+          </a:prstGeom>
+          <a:ln>
+            <a:solidFill>
+              <a:schemeClr val="bg1">
+                <a:lumMod val="75000"/>
+              </a:schemeClr>
+            </a:solidFill>
+          </a:ln>
+        </p:spPr>
+        <p:style>
+          <a:lnRef idx="1">
+            <a:schemeClr val="accent1"/>
+          </a:lnRef>
+          <a:fillRef idx="0">
+            <a:schemeClr val="accent1"/>
+          </a:fillRef>
+          <a:effectRef idx="0">
+            <a:schemeClr val="accent1"/>
+          </a:effectRef>
+          <a:fontRef idx="minor">
+            <a:schemeClr val="tx1"/>
+          </a:fontRef>
+        </p:style>
+      </p:cxnSp>
+      <p:cxnSp>
+        <p:nvCxnSpPr>
+          <p:cNvPr id="45" name="Gerade Verbindung 64"/>
+          <p:cNvCxnSpPr/>
+          <p:nvPr/>
+        </p:nvCxnSpPr>
+        <p:spPr>
+          <a:xfrm flipV="1">
+            <a:off x="3024363" y="438331"/>
+            <a:ext cx="412750" cy="624842"/>
+          </a:xfrm>
+          <a:prstGeom prst="line">
+            <a:avLst/>
+          </a:prstGeom>
+          <a:ln>
+            <a:solidFill>
+              <a:schemeClr val="bg1">
+                <a:lumMod val="75000"/>
+              </a:schemeClr>
+            </a:solidFill>
+          </a:ln>
+        </p:spPr>
+        <p:style>
+          <a:lnRef idx="1">
+            <a:schemeClr val="accent1"/>
+          </a:lnRef>
+          <a:fillRef idx="0">
+            <a:schemeClr val="accent1"/>
+          </a:fillRef>
+          <a:effectRef idx="0">
+            <a:schemeClr val="accent1"/>
+          </a:effectRef>
+          <a:fontRef idx="minor">
+            <a:schemeClr val="tx1"/>
+          </a:fontRef>
+        </p:style>
+      </p:cxnSp>
+      <p:grpSp>
+        <p:nvGrpSpPr>
+          <p:cNvPr id="46" name="Gruppieren 45"/>
+          <p:cNvGrpSpPr/>
+          <p:nvPr/>
+        </p:nvGrpSpPr>
+        <p:grpSpPr>
+          <a:xfrm>
+            <a:off x="2987513" y="1024315"/>
+            <a:ext cx="67816" cy="76200"/>
+            <a:chOff x="5724128" y="2272484"/>
+            <a:chExt cx="135632" cy="152400"/>
+          </a:xfrm>
+        </p:grpSpPr>
+        <p:cxnSp>
+          <p:nvCxnSpPr>
+            <p:cNvPr id="47" name="Gerade Verbindung 6"/>
+            <p:cNvCxnSpPr/>
+            <p:nvPr/>
+          </p:nvCxnSpPr>
+          <p:spPr>
+            <a:xfrm>
+              <a:off x="5724128" y="2276872"/>
+              <a:ext cx="135632" cy="148012"/>
+            </a:xfrm>
+            <a:prstGeom prst="line">
+              <a:avLst/>
+            </a:prstGeom>
+            <a:ln w="12700">
+              <a:solidFill>
+                <a:srgbClr val="C00000"/>
+              </a:solidFill>
+            </a:ln>
+          </p:spPr>
+          <p:style>
+            <a:lnRef idx="1">
+              <a:schemeClr val="accent1"/>
+            </a:lnRef>
+            <a:fillRef idx="0">
+              <a:schemeClr val="accent1"/>
+            </a:fillRef>
+            <a:effectRef idx="0">
+              <a:schemeClr val="accent1"/>
+            </a:effectRef>
+            <a:fontRef idx="minor">
+              <a:schemeClr val="tx1"/>
+            </a:fontRef>
+          </p:style>
+        </p:cxnSp>
+        <p:cxnSp>
+          <p:nvCxnSpPr>
+            <p:cNvPr id="48" name="Gerade Verbindung 24"/>
+            <p:cNvCxnSpPr/>
+            <p:nvPr/>
+          </p:nvCxnSpPr>
+          <p:spPr>
+            <a:xfrm flipV="1">
+              <a:off x="5724128" y="2272484"/>
+              <a:ext cx="135632" cy="152400"/>
+            </a:xfrm>
+            <a:prstGeom prst="line">
+              <a:avLst/>
+            </a:prstGeom>
+            <a:ln w="12700">
+              <a:solidFill>
+                <a:srgbClr val="C00000"/>
+              </a:solidFill>
+            </a:ln>
+          </p:spPr>
+          <p:style>
+            <a:lnRef idx="1">
+              <a:schemeClr val="accent1"/>
+            </a:lnRef>
+            <a:fillRef idx="0">
+              <a:schemeClr val="accent1"/>
+            </a:fillRef>
+            <a:effectRef idx="0">
+              <a:schemeClr val="accent1"/>
+            </a:effectRef>
+            <a:fontRef idx="minor">
+              <a:schemeClr val="tx1"/>
+            </a:fontRef>
+          </p:style>
+        </p:cxnSp>
+      </p:grpSp>
+      <p:sp>
+        <p:nvSpPr>
+          <p:cNvPr id="49" name="Ellipse 48"/>
+          <p:cNvSpPr/>
+          <p:nvPr/>
+        </p:nvSpPr>
+        <p:spPr>
+          <a:xfrm>
+            <a:off x="2708699" y="750752"/>
+            <a:ext cx="623202" cy="626764"/>
+          </a:xfrm>
+          <a:prstGeom prst="ellipse">
+            <a:avLst/>
+          </a:prstGeom>
+          <a:noFill/>
+          <a:ln w="9525">
+            <a:solidFill>
+              <a:schemeClr val="bg1">
+                <a:lumMod val="50000"/>
+              </a:schemeClr>
+            </a:solidFill>
+          </a:ln>
+        </p:spPr>
+        <p:style>
+          <a:lnRef idx="2">
+            <a:schemeClr val="accent1">
+              <a:shade val="50000"/>
+            </a:schemeClr>
+          </a:lnRef>
+          <a:fillRef idx="1">
+            <a:schemeClr val="accent1"/>
+          </a:fillRef>
+          <a:effectRef idx="0">
+            <a:schemeClr val="accent1"/>
+          </a:effectRef>
+          <a:fontRef idx="minor">
+            <a:schemeClr val="lt1"/>
+          </a:fontRef>
+        </p:style>
+        <p:txBody>
+          <a:bodyPr rtlCol="0" anchor="ctr"/>
+          <a:lstStyle/>
+          <a:p>
+            <a:pPr algn="ctr"/>
+            <a:endParaRPr lang="de-DE"/>
+          </a:p>
+        </p:txBody>
+      </p:sp>
+      <p:sp>
+        <p:nvSpPr>
+          <p:cNvPr id="50" name="Ellipse 49"/>
+          <p:cNvSpPr/>
+          <p:nvPr/>
+        </p:nvSpPr>
+        <p:spPr>
+          <a:xfrm>
+            <a:off x="3717848" y="678930"/>
+            <a:ext cx="623202" cy="626764"/>
+          </a:xfrm>
+          <a:prstGeom prst="ellipse">
+            <a:avLst/>
+          </a:prstGeom>
+          <a:noFill/>
+          <a:ln w="9525">
+            <a:solidFill>
+              <a:schemeClr val="bg1">
+                <a:lumMod val="50000"/>
+              </a:schemeClr>
+            </a:solidFill>
+          </a:ln>
+        </p:spPr>
+        <p:style>
+          <a:lnRef idx="2">
+            <a:schemeClr val="accent1">
+              <a:shade val="50000"/>
+            </a:schemeClr>
+          </a:lnRef>
+          <a:fillRef idx="1">
+            <a:schemeClr val="accent1"/>
+          </a:fillRef>
+          <a:effectRef idx="0">
+            <a:schemeClr val="accent1"/>
+          </a:effectRef>
+          <a:fontRef idx="minor">
+            <a:schemeClr val="lt1"/>
+          </a:fontRef>
+        </p:style>
+        <p:txBody>
+          <a:bodyPr rtlCol="0" anchor="ctr"/>
+          <a:lstStyle/>
+          <a:p>
+            <a:pPr algn="ctr"/>
+            <a:endParaRPr lang="de-DE"/>
+          </a:p>
+        </p:txBody>
+      </p:sp>
+      <p:cxnSp>
+        <p:nvCxnSpPr>
+          <p:cNvPr id="51" name="Gerade Verbindung 72"/>
+          <p:cNvCxnSpPr>
+            <a:endCxn id="34" idx="3"/>
+          </p:cNvCxnSpPr>
+          <p:nvPr/>
+        </p:nvCxnSpPr>
+        <p:spPr>
+          <a:xfrm>
+            <a:off x="3708323" y="530166"/>
+            <a:ext cx="808806" cy="1152128"/>
+          </a:xfrm>
+          <a:prstGeom prst="line">
+            <a:avLst/>
+          </a:prstGeom>
+          <a:ln>
+            <a:solidFill>
+              <a:schemeClr val="bg1">
+                <a:lumMod val="75000"/>
+              </a:schemeClr>
+            </a:solidFill>
+          </a:ln>
+        </p:spPr>
+        <p:style>
+          <a:lnRef idx="1">
+            <a:schemeClr val="accent1"/>
+          </a:lnRef>
+          <a:fillRef idx="0">
+            <a:schemeClr val="accent1"/>
+          </a:fillRef>
+          <a:effectRef idx="0">
+            <a:schemeClr val="accent1"/>
+          </a:effectRef>
+          <a:fontRef idx="minor">
+            <a:schemeClr val="tx1"/>
+          </a:fontRef>
+        </p:style>
+      </p:cxnSp>
+      <p:grpSp>
+        <p:nvGrpSpPr>
+          <p:cNvPr id="52" name="Gruppieren 51"/>
+          <p:cNvGrpSpPr/>
+          <p:nvPr/>
+        </p:nvGrpSpPr>
+        <p:grpSpPr>
+          <a:xfrm>
+            <a:off x="4483221" y="1655970"/>
+            <a:ext cx="67816" cy="76200"/>
+            <a:chOff x="5724128" y="2272484"/>
+            <a:chExt cx="135632" cy="152400"/>
+          </a:xfrm>
+        </p:grpSpPr>
+        <p:cxnSp>
+          <p:nvCxnSpPr>
+            <p:cNvPr id="53" name="Gerade Verbindung 41"/>
+            <p:cNvCxnSpPr/>
+            <p:nvPr/>
+          </p:nvCxnSpPr>
+          <p:spPr>
+            <a:xfrm>
+              <a:off x="5724128" y="2276872"/>
+              <a:ext cx="135632" cy="148012"/>
+            </a:xfrm>
+            <a:prstGeom prst="line">
+              <a:avLst/>
+            </a:prstGeom>
+            <a:ln w="12700">
+              <a:solidFill>
+                <a:srgbClr val="C00000"/>
+              </a:solidFill>
+            </a:ln>
+          </p:spPr>
+          <p:style>
+            <a:lnRef idx="1">
+              <a:schemeClr val="accent1"/>
+            </a:lnRef>
+            <a:fillRef idx="0">
+              <a:schemeClr val="accent1"/>
+            </a:fillRef>
+            <a:effectRef idx="0">
+              <a:schemeClr val="accent1"/>
+            </a:effectRef>
+            <a:fontRef idx="minor">
+              <a:schemeClr val="tx1"/>
+            </a:fontRef>
+          </p:style>
+        </p:cxnSp>
+        <p:cxnSp>
+          <p:nvCxnSpPr>
+            <p:cNvPr id="54" name="Gerade Verbindung 42"/>
+            <p:cNvCxnSpPr/>
+            <p:nvPr/>
+          </p:nvCxnSpPr>
+          <p:spPr>
+            <a:xfrm flipV="1">
+              <a:off x="5724128" y="2272484"/>
+              <a:ext cx="135632" cy="152400"/>
+            </a:xfrm>
+            <a:prstGeom prst="line">
+              <a:avLst/>
+            </a:prstGeom>
+            <a:ln w="12700">
+              <a:solidFill>
+                <a:srgbClr val="C00000"/>
+              </a:solidFill>
+            </a:ln>
+          </p:spPr>
+          <p:style>
+            <a:lnRef idx="1">
+              <a:schemeClr val="accent1"/>
+            </a:lnRef>
+            <a:fillRef idx="0">
+              <a:schemeClr val="accent1"/>
+            </a:fillRef>
+            <a:effectRef idx="0">
+              <a:schemeClr val="accent1"/>
+            </a:effectRef>
+            <a:fontRef idx="minor">
+              <a:schemeClr val="tx1"/>
+            </a:fontRef>
+          </p:style>
+        </p:cxnSp>
+      </p:grpSp>
+      <p:cxnSp>
+        <p:nvCxnSpPr>
+          <p:cNvPr id="55" name="Gerade Verbindung 76"/>
+          <p:cNvCxnSpPr>
+            <a:endCxn id="34" idx="2"/>
+          </p:cNvCxnSpPr>
+          <p:nvPr/>
+        </p:nvCxnSpPr>
+        <p:spPr>
+          <a:xfrm>
+            <a:off x="3610969" y="795855"/>
+            <a:ext cx="418480" cy="200639"/>
+          </a:xfrm>
+          <a:prstGeom prst="line">
+            <a:avLst/>
+          </a:prstGeom>
+          <a:ln>
+            <a:solidFill>
+              <a:schemeClr val="bg1">
+                <a:lumMod val="75000"/>
+              </a:schemeClr>
+            </a:solidFill>
+          </a:ln>
+        </p:spPr>
+        <p:style>
+          <a:lnRef idx="1">
+            <a:schemeClr val="accent1"/>
+          </a:lnRef>
+          <a:fillRef idx="0">
+            <a:schemeClr val="accent1"/>
+          </a:fillRef>
+          <a:effectRef idx="0">
+            <a:schemeClr val="accent1"/>
+          </a:effectRef>
+          <a:fontRef idx="minor">
+            <a:schemeClr val="tx1"/>
+          </a:fontRef>
+        </p:style>
+      </p:cxnSp>
+      <p:sp>
+        <p:nvSpPr>
+          <p:cNvPr id="56" name="Bogen 55"/>
+          <p:cNvSpPr/>
+          <p:nvPr/>
+        </p:nvSpPr>
+        <p:spPr>
+          <a:xfrm>
+            <a:off x="3890674" y="866791"/>
+            <a:ext cx="274464" cy="246122"/>
+          </a:xfrm>
+          <a:prstGeom prst="arc">
+            <a:avLst>
+              <a:gd name="adj1" fmla="val 10376907"/>
+              <a:gd name="adj2" fmla="val 13968421"/>
+            </a:avLst>
+          </a:prstGeom>
+          <a:ln>
+            <a:solidFill>
+              <a:schemeClr val="bg1">
+                <a:lumMod val="75000"/>
+              </a:schemeClr>
+            </a:solidFill>
+          </a:ln>
+        </p:spPr>
+        <p:style>
+          <a:lnRef idx="1">
+            <a:schemeClr val="accent1"/>
+          </a:lnRef>
+          <a:fillRef idx="0">
+            <a:schemeClr val="accent1"/>
+          </a:fillRef>
+          <a:effectRef idx="0">
+            <a:schemeClr val="accent1"/>
+          </a:effectRef>
+          <a:fontRef idx="minor">
+            <a:schemeClr val="tx1"/>
+          </a:fontRef>
+        </p:style>
+        <p:txBody>
+          <a:bodyPr rtlCol="0" anchor="ctr"/>
+          <a:lstStyle/>
+          <a:p>
+            <a:pPr algn="ctr"/>
+            <a:endParaRPr lang="de-DE"/>
+          </a:p>
+        </p:txBody>
+      </p:sp>
+      <p:sp>
+        <p:nvSpPr>
+          <p:cNvPr id="57" name="Bogen 56"/>
+          <p:cNvSpPr/>
+          <p:nvPr/>
+        </p:nvSpPr>
+        <p:spPr>
+          <a:xfrm>
+            <a:off x="2879894" y="935830"/>
+            <a:ext cx="274464" cy="246122"/>
+          </a:xfrm>
+          <a:prstGeom prst="arc">
+            <a:avLst>
+              <a:gd name="adj1" fmla="val 18360235"/>
+              <a:gd name="adj2" fmla="val 21423991"/>
+            </a:avLst>
+          </a:prstGeom>
+          <a:ln>
+            <a:solidFill>
+              <a:schemeClr val="bg1">
+                <a:lumMod val="75000"/>
+              </a:schemeClr>
+            </a:solidFill>
+          </a:ln>
+        </p:spPr>
+        <p:style>
+          <a:lnRef idx="1">
+            <a:schemeClr val="accent1"/>
+          </a:lnRef>
+          <a:fillRef idx="0">
+            <a:schemeClr val="accent1"/>
+          </a:fillRef>
+          <a:effectRef idx="0">
+            <a:schemeClr val="accent1"/>
+          </a:effectRef>
+          <a:fontRef idx="minor">
+            <a:schemeClr val="tx1"/>
+          </a:fontRef>
+        </p:style>
+        <p:txBody>
+          <a:bodyPr rtlCol="0" anchor="ctr"/>
+          <a:lstStyle/>
+          <a:p>
+            <a:pPr algn="ctr"/>
+            <a:endParaRPr lang="de-DE"/>
+          </a:p>
+        </p:txBody>
+      </p:sp>
+      <p:grpSp>
+        <p:nvGrpSpPr>
+          <p:cNvPr id="58" name="Gruppieren 57"/>
+          <p:cNvGrpSpPr/>
+          <p:nvPr/>
+        </p:nvGrpSpPr>
+        <p:grpSpPr>
+          <a:xfrm>
+            <a:off x="3992346" y="954212"/>
+            <a:ext cx="67816" cy="76200"/>
+            <a:chOff x="5724128" y="2272484"/>
+            <a:chExt cx="135632" cy="152400"/>
+          </a:xfrm>
+        </p:grpSpPr>
+        <p:cxnSp>
+          <p:nvCxnSpPr>
+            <p:cNvPr id="59" name="Gerade Verbindung 28"/>
+            <p:cNvCxnSpPr/>
+            <p:nvPr/>
+          </p:nvCxnSpPr>
+          <p:spPr>
+            <a:xfrm>
+              <a:off x="5724128" y="2276872"/>
+              <a:ext cx="135632" cy="148012"/>
+            </a:xfrm>
+            <a:prstGeom prst="line">
+              <a:avLst/>
+            </a:prstGeom>
+            <a:ln w="12700">
+              <a:solidFill>
+                <a:srgbClr val="C00000"/>
+              </a:solidFill>
+            </a:ln>
+          </p:spPr>
+          <p:style>
+            <a:lnRef idx="1">
+              <a:schemeClr val="accent1"/>
+            </a:lnRef>
+            <a:fillRef idx="0">
+              <a:schemeClr val="accent1"/>
+            </a:fillRef>
+            <a:effectRef idx="0">
+              <a:schemeClr val="accent1"/>
+            </a:effectRef>
+            <a:fontRef idx="minor">
+              <a:schemeClr val="tx1"/>
+            </a:fontRef>
+          </p:style>
+        </p:cxnSp>
+        <p:cxnSp>
+          <p:nvCxnSpPr>
+            <p:cNvPr id="60" name="Gerade Verbindung 29"/>
+            <p:cNvCxnSpPr/>
+            <p:nvPr/>
+          </p:nvCxnSpPr>
+          <p:spPr>
+            <a:xfrm flipV="1">
+              <a:off x="5724128" y="2272484"/>
+              <a:ext cx="135632" cy="152400"/>
+            </a:xfrm>
+            <a:prstGeom prst="line">
+              <a:avLst/>
+            </a:prstGeom>
+            <a:ln w="12700">
+              <a:solidFill>
+                <a:srgbClr val="C00000"/>
+              </a:solidFill>
+            </a:ln>
+          </p:spPr>
+          <p:style>
+            <a:lnRef idx="1">
+              <a:schemeClr val="accent1"/>
+            </a:lnRef>
+            <a:fillRef idx="0">
+              <a:schemeClr val="accent1"/>
+            </a:fillRef>
+            <a:effectRef idx="0">
+              <a:schemeClr val="accent1"/>
+            </a:effectRef>
+            <a:fontRef idx="minor">
+              <a:schemeClr val="tx1"/>
+            </a:fontRef>
+          </p:style>
+        </p:cxnSp>
+      </p:grpSp>
+      <p:grpSp>
+        <p:nvGrpSpPr>
+          <p:cNvPr id="61" name="Gruppieren 60"/>
+          <p:cNvGrpSpPr/>
+          <p:nvPr/>
+        </p:nvGrpSpPr>
+        <p:grpSpPr>
+          <a:xfrm>
+            <a:off x="3258370" y="875033"/>
+            <a:ext cx="67816" cy="76200"/>
+            <a:chOff x="5724128" y="2272484"/>
+            <a:chExt cx="135632" cy="152400"/>
+          </a:xfrm>
+        </p:grpSpPr>
+        <p:cxnSp>
+          <p:nvCxnSpPr>
+            <p:cNvPr id="62" name="Gerade Verbindung 83"/>
+            <p:cNvCxnSpPr/>
+            <p:nvPr/>
+          </p:nvCxnSpPr>
+          <p:spPr>
+            <a:xfrm>
+              <a:off x="5724128" y="2276872"/>
+              <a:ext cx="135632" cy="148012"/>
+            </a:xfrm>
+            <a:prstGeom prst="line">
+              <a:avLst/>
+            </a:prstGeom>
+            <a:ln w="12700">
+              <a:solidFill>
+                <a:srgbClr val="FFC000"/>
+              </a:solidFill>
+            </a:ln>
+          </p:spPr>
+          <p:style>
+            <a:lnRef idx="1">
+              <a:schemeClr val="accent1"/>
+            </a:lnRef>
+            <a:fillRef idx="0">
+              <a:schemeClr val="accent1"/>
+            </a:fillRef>
+            <a:effectRef idx="0">
+              <a:schemeClr val="accent1"/>
+            </a:effectRef>
+            <a:fontRef idx="minor">
+              <a:schemeClr val="tx1"/>
+            </a:fontRef>
+          </p:style>
+        </p:cxnSp>
+        <p:cxnSp>
+          <p:nvCxnSpPr>
+            <p:cNvPr id="64" name="Gerade Verbindung 84"/>
+            <p:cNvCxnSpPr/>
+            <p:nvPr/>
+          </p:nvCxnSpPr>
+          <p:spPr>
+            <a:xfrm flipV="1">
+              <a:off x="5724128" y="2272484"/>
+              <a:ext cx="135632" cy="152400"/>
+            </a:xfrm>
+            <a:prstGeom prst="line">
+              <a:avLst/>
+            </a:prstGeom>
+            <a:ln w="12700">
+              <a:solidFill>
+                <a:srgbClr val="FFC000"/>
+              </a:solidFill>
+            </a:ln>
+          </p:spPr>
+          <p:style>
+            <a:lnRef idx="1">
+              <a:schemeClr val="accent1"/>
+            </a:lnRef>
+            <a:fillRef idx="0">
+              <a:schemeClr val="accent1"/>
+            </a:fillRef>
+            <a:effectRef idx="0">
+              <a:schemeClr val="accent1"/>
+            </a:effectRef>
+            <a:fontRef idx="minor">
+              <a:schemeClr val="tx1"/>
+            </a:fontRef>
+          </p:style>
+        </p:cxnSp>
+      </p:grpSp>
+      <p:grpSp>
+        <p:nvGrpSpPr>
+          <p:cNvPr id="65" name="Gruppieren 64"/>
+          <p:cNvGrpSpPr/>
+          <p:nvPr/>
+        </p:nvGrpSpPr>
+        <p:grpSpPr>
+          <a:xfrm>
+            <a:off x="3713467" y="828691"/>
+            <a:ext cx="67816" cy="76200"/>
+            <a:chOff x="5724128" y="2272484"/>
+            <a:chExt cx="135632" cy="152400"/>
+          </a:xfrm>
+        </p:grpSpPr>
+        <p:cxnSp>
+          <p:nvCxnSpPr>
+            <p:cNvPr id="66" name="Gerade Verbindung 86"/>
+            <p:cNvCxnSpPr/>
+            <p:nvPr/>
+          </p:nvCxnSpPr>
+          <p:spPr>
+            <a:xfrm>
+              <a:off x="5724128" y="2276872"/>
+              <a:ext cx="135632" cy="148012"/>
+            </a:xfrm>
+            <a:prstGeom prst="line">
+              <a:avLst/>
+            </a:prstGeom>
+            <a:ln w="12700">
+              <a:solidFill>
+                <a:srgbClr val="FFC000"/>
+              </a:solidFill>
+            </a:ln>
+          </p:spPr>
+          <p:style>
+            <a:lnRef idx="1">
+              <a:schemeClr val="accent1"/>
+            </a:lnRef>
+            <a:fillRef idx="0">
+              <a:schemeClr val="accent1"/>
+            </a:fillRef>
+            <a:effectRef idx="0">
+              <a:schemeClr val="accent1"/>
+            </a:effectRef>
+            <a:fontRef idx="minor">
+              <a:schemeClr val="tx1"/>
+            </a:fontRef>
+          </p:style>
+        </p:cxnSp>
+        <p:cxnSp>
+          <p:nvCxnSpPr>
+            <p:cNvPr id="67" name="Gerade Verbindung 87"/>
+            <p:cNvCxnSpPr/>
+            <p:nvPr/>
+          </p:nvCxnSpPr>
+          <p:spPr>
+            <a:xfrm flipV="1">
+              <a:off x="5724128" y="2272484"/>
+              <a:ext cx="135632" cy="152400"/>
+            </a:xfrm>
+            <a:prstGeom prst="line">
+              <a:avLst/>
+            </a:prstGeom>
+            <a:ln w="12700">
+              <a:solidFill>
+                <a:srgbClr val="FFC000"/>
+              </a:solidFill>
+            </a:ln>
+          </p:spPr>
+          <p:style>
+            <a:lnRef idx="1">
+              <a:schemeClr val="accent1"/>
+            </a:lnRef>
+            <a:fillRef idx="0">
+              <a:schemeClr val="accent1"/>
+            </a:fillRef>
+            <a:effectRef idx="0">
+              <a:schemeClr val="accent1"/>
+            </a:effectRef>
+            <a:fontRef idx="minor">
+              <a:schemeClr val="tx1"/>
+            </a:fontRef>
+          </p:style>
+        </p:cxnSp>
+      </p:grpSp>
+      <p:grpSp>
+        <p:nvGrpSpPr>
+          <p:cNvPr id="68" name="Gruppieren 67"/>
+          <p:cNvGrpSpPr/>
+          <p:nvPr/>
+        </p:nvGrpSpPr>
+        <p:grpSpPr>
+          <a:xfrm>
+            <a:off x="2568061" y="1644193"/>
+            <a:ext cx="67816" cy="76200"/>
+            <a:chOff x="5724128" y="2272484"/>
+            <a:chExt cx="135632" cy="152400"/>
+          </a:xfrm>
+        </p:grpSpPr>
+        <p:cxnSp>
+          <p:nvCxnSpPr>
+            <p:cNvPr id="70" name="Gerade Verbindung 38"/>
+            <p:cNvCxnSpPr/>
+            <p:nvPr/>
+          </p:nvCxnSpPr>
+          <p:spPr>
+            <a:xfrm>
+              <a:off x="5724128" y="2276872"/>
+              <a:ext cx="135632" cy="148012"/>
+            </a:xfrm>
+            <a:prstGeom prst="line">
+              <a:avLst/>
+            </a:prstGeom>
+            <a:ln w="12700">
+              <a:solidFill>
+                <a:srgbClr val="C00000"/>
+              </a:solidFill>
+            </a:ln>
+          </p:spPr>
+          <p:style>
+            <a:lnRef idx="1">
+              <a:schemeClr val="accent1"/>
+            </a:lnRef>
+            <a:fillRef idx="0">
+              <a:schemeClr val="accent1"/>
+            </a:fillRef>
+            <a:effectRef idx="0">
+              <a:schemeClr val="accent1"/>
+            </a:effectRef>
+            <a:fontRef idx="minor">
+              <a:schemeClr val="tx1"/>
+            </a:fontRef>
+          </p:style>
+        </p:cxnSp>
+        <p:cxnSp>
+          <p:nvCxnSpPr>
+            <p:cNvPr id="71" name="Gerade Verbindung 39"/>
+            <p:cNvCxnSpPr/>
+            <p:nvPr/>
+          </p:nvCxnSpPr>
+          <p:spPr>
+            <a:xfrm flipV="1">
+              <a:off x="5724128" y="2272484"/>
+              <a:ext cx="135632" cy="152400"/>
+            </a:xfrm>
+            <a:prstGeom prst="line">
+              <a:avLst/>
+            </a:prstGeom>
+            <a:ln w="12700">
+              <a:solidFill>
+                <a:srgbClr val="C00000"/>
+              </a:solidFill>
+            </a:ln>
+          </p:spPr>
+          <p:style>
+            <a:lnRef idx="1">
+              <a:schemeClr val="accent1"/>
+            </a:lnRef>
+            <a:fillRef idx="0">
+              <a:schemeClr val="accent1"/>
+            </a:fillRef>
+            <a:effectRef idx="0">
+              <a:schemeClr val="accent1"/>
+            </a:effectRef>
+            <a:fontRef idx="minor">
+              <a:schemeClr val="tx1"/>
+            </a:fontRef>
+          </p:style>
+        </p:cxnSp>
+      </p:grpSp>
+      <p:sp>
+        <p:nvSpPr>
+          <p:cNvPr id="72" name="Textfeld 71"/>
+          <p:cNvSpPr txBox="1"/>
+          <p:nvPr/>
+        </p:nvSpPr>
+        <p:spPr>
+          <a:xfrm>
+            <a:off x="3197890" y="678929"/>
+            <a:ext cx="287258" cy="246221"/>
+          </a:xfrm>
+          <a:prstGeom prst="rect">
+            <a:avLst/>
+          </a:prstGeom>
+          <a:noFill/>
+        </p:spPr>
+        <p:txBody>
+          <a:bodyPr wrap="none" rtlCol="0">
+            <a:spAutoFit/>
+          </a:bodyPr>
+          <a:lstStyle/>
+          <a:p>
+            <a:r>
+              <a:rPr lang="de-DE" sz="1000" dirty="0" smtClean="0">
+                <a:solidFill>
+                  <a:srgbClr val="FFC000"/>
+                </a:solidFill>
+                <a:cs typeface="Segoe UI" panose="020B0502040204020203" pitchFamily="34" charset="0"/>
+              </a:rPr>
+              <a:t>B‘</a:t>
+            </a:r>
+            <a:endParaRPr lang="de-DE" sz="1000" dirty="0">
+              <a:solidFill>
+                <a:srgbClr val="FFC000"/>
+              </a:solidFill>
+              <a:cs typeface="Segoe UI" panose="020B0502040204020203" pitchFamily="34" charset="0"/>
+            </a:endParaRPr>
+          </a:p>
+        </p:txBody>
+      </p:sp>
+      <p:sp>
+        <p:nvSpPr>
+          <p:cNvPr id="73" name="Textfeld 72"/>
+          <p:cNvSpPr txBox="1"/>
+          <p:nvPr/>
+        </p:nvSpPr>
+        <p:spPr>
+          <a:xfrm>
+            <a:off x="3569838" y="610884"/>
+            <a:ext cx="293670" cy="246221"/>
+          </a:xfrm>
+          <a:prstGeom prst="rect">
+            <a:avLst/>
+          </a:prstGeom>
+          <a:noFill/>
+        </p:spPr>
+        <p:txBody>
+          <a:bodyPr wrap="none" rtlCol="0">
+            <a:spAutoFit/>
+          </a:bodyPr>
+          <a:lstStyle/>
+          <a:p>
+            <a:r>
+              <a:rPr lang="de-DE" sz="1000" dirty="0" smtClean="0">
+                <a:solidFill>
+                  <a:srgbClr val="FFC000"/>
+                </a:solidFill>
+                <a:cs typeface="Segoe UI" panose="020B0502040204020203" pitchFamily="34" charset="0"/>
+              </a:rPr>
+              <a:t>C‘</a:t>
+            </a:r>
+            <a:endParaRPr lang="de-DE" sz="1000" dirty="0">
+              <a:solidFill>
+                <a:srgbClr val="FFC000"/>
+              </a:solidFill>
+              <a:cs typeface="Segoe UI" panose="020B0502040204020203" pitchFamily="34" charset="0"/>
+            </a:endParaRPr>
+          </a:p>
+        </p:txBody>
+      </p:sp>
+      <p:sp>
+        <p:nvSpPr>
+          <p:cNvPr id="74" name="Textfeld 73"/>
+          <p:cNvSpPr txBox="1"/>
+          <p:nvPr/>
+        </p:nvSpPr>
+        <p:spPr>
+          <a:xfrm>
+            <a:off x="4354010" y="380940"/>
+            <a:ext cx="1583679" cy="861774"/>
+          </a:xfrm>
+          <a:prstGeom prst="rect">
+            <a:avLst/>
+          </a:prstGeom>
+          <a:noFill/>
+        </p:spPr>
+        <p:txBody>
+          <a:bodyPr wrap="square" rtlCol="0">
+            <a:spAutoFit/>
+          </a:bodyPr>
+          <a:lstStyle/>
+          <a:p>
+            <a:pPr marL="358775" indent="-358775"/>
+            <a:r>
+              <a:rPr lang="de-DE" sz="1000" dirty="0" smtClean="0">
+                <a:cs typeface="Segoe UI Light" panose="020B0502040204020203" pitchFamily="34" charset="0"/>
+              </a:rPr>
+              <a:t>A‘ := 	A </a:t>
+            </a:r>
+            <a:r>
+              <a:rPr lang="de-DE" sz="1000" dirty="0" err="1" smtClean="0">
+                <a:cs typeface="Segoe UI Light" panose="020B0502040204020203" pitchFamily="34" charset="0"/>
+              </a:rPr>
+              <a:t>mirrored</a:t>
+            </a:r>
+            <a:r>
+              <a:rPr lang="de-DE" sz="1000" dirty="0" smtClean="0">
+                <a:cs typeface="Segoe UI Light" panose="020B0502040204020203" pitchFamily="34" charset="0"/>
+              </a:rPr>
+              <a:t> at B</a:t>
+            </a:r>
+          </a:p>
+          <a:p>
+            <a:pPr marL="358775" indent="-358775"/>
+            <a:r>
+              <a:rPr lang="de-DE" sz="1000" dirty="0" smtClean="0">
+                <a:cs typeface="Segoe UI Light" panose="020B0502040204020203" pitchFamily="34" charset="0"/>
+              </a:rPr>
+              <a:t>B‘ := 	angle </a:t>
+            </a:r>
+            <a:r>
+              <a:rPr lang="de-DE" sz="1000" dirty="0" err="1" smtClean="0">
+                <a:cs typeface="Segoe UI Light" panose="020B0502040204020203" pitchFamily="34" charset="0"/>
+              </a:rPr>
+              <a:t>bisector</a:t>
+            </a:r>
+            <a:r>
+              <a:rPr lang="de-DE" sz="1000" dirty="0" smtClean="0">
+                <a:cs typeface="Segoe UI Light" panose="020B0502040204020203" pitchFamily="34" charset="0"/>
+              </a:rPr>
+              <a:t> </a:t>
+            </a:r>
+            <a:r>
+              <a:rPr lang="de-DE" sz="1000" dirty="0" err="1" smtClean="0">
+                <a:cs typeface="Segoe UI Light" panose="020B0502040204020203" pitchFamily="34" charset="0"/>
+              </a:rPr>
+              <a:t>of</a:t>
+            </a:r>
+            <a:r>
+              <a:rPr lang="de-DE" sz="1000" dirty="0" smtClean="0">
+                <a:cs typeface="Segoe UI Light" panose="020B0502040204020203" pitchFamily="34" charset="0"/>
+              </a:rPr>
+              <a:t> BA‘ </a:t>
+            </a:r>
+            <a:r>
+              <a:rPr lang="de-DE" sz="1000" dirty="0" err="1" smtClean="0">
+                <a:cs typeface="Segoe UI Light" panose="020B0502040204020203" pitchFamily="34" charset="0"/>
+              </a:rPr>
+              <a:t>and</a:t>
+            </a:r>
+            <a:r>
+              <a:rPr lang="de-DE" sz="1000" dirty="0" smtClean="0">
+                <a:cs typeface="Segoe UI Light" panose="020B0502040204020203" pitchFamily="34" charset="0"/>
+              </a:rPr>
+              <a:t> BC </a:t>
+            </a:r>
+            <a:r>
+              <a:rPr lang="de-DE" sz="1000" dirty="0" err="1" smtClean="0">
+                <a:cs typeface="Segoe UI Light" panose="020B0502040204020203" pitchFamily="34" charset="0"/>
+              </a:rPr>
+              <a:t>with</a:t>
+            </a:r>
+            <a:r>
+              <a:rPr lang="de-DE" sz="1000" dirty="0" smtClean="0">
+                <a:cs typeface="Segoe UI Light" panose="020B0502040204020203" pitchFamily="34" charset="0"/>
+              </a:rPr>
+              <a:t> </a:t>
+            </a:r>
+            <a:r>
+              <a:rPr lang="de-DE" sz="1000" dirty="0" err="1" smtClean="0">
+                <a:cs typeface="Segoe UI Light" panose="020B0502040204020203" pitchFamily="34" charset="0"/>
+              </a:rPr>
+              <a:t>length</a:t>
+            </a:r>
+            <a:r>
+              <a:rPr lang="de-DE" sz="1000" dirty="0" smtClean="0">
+                <a:cs typeface="Segoe UI Light" panose="020B0502040204020203" pitchFamily="34" charset="0"/>
+              </a:rPr>
+              <a:t> |BC|/3</a:t>
+            </a:r>
+          </a:p>
+          <a:p>
+            <a:pPr marL="358775" indent="-358775"/>
+            <a:endParaRPr lang="de-DE" sz="1000" dirty="0">
+              <a:cs typeface="Segoe UI Light" panose="020B0502040204020203" pitchFamily="34" charset="0"/>
+            </a:endParaRPr>
+          </a:p>
+        </p:txBody>
+      </p:sp>
+      <p:sp>
+        <p:nvSpPr>
+          <p:cNvPr id="75" name="Textfeld 74"/>
+          <p:cNvSpPr txBox="1"/>
+          <p:nvPr/>
+        </p:nvSpPr>
+        <p:spPr>
+          <a:xfrm>
+            <a:off x="3394945" y="283945"/>
+            <a:ext cx="296876" cy="246221"/>
+          </a:xfrm>
+          <a:prstGeom prst="rect">
+            <a:avLst/>
+          </a:prstGeom>
+          <a:noFill/>
+          <a:ln>
+            <a:noFill/>
+          </a:ln>
+        </p:spPr>
+        <p:txBody>
+          <a:bodyPr wrap="none" rtlCol="0">
+            <a:spAutoFit/>
+          </a:bodyPr>
+          <a:lstStyle/>
+          <a:p>
+            <a:r>
+              <a:rPr lang="de-DE" sz="1000" dirty="0" smtClean="0">
+                <a:solidFill>
+                  <a:schemeClr val="accent3">
+                    <a:lumMod val="50000"/>
+                  </a:schemeClr>
+                </a:solidFill>
+                <a:cs typeface="Segoe UI" panose="020B0502040204020203" pitchFamily="34" charset="0"/>
+              </a:rPr>
+              <a:t>A‘</a:t>
+            </a:r>
+            <a:endParaRPr lang="de-DE" sz="1000" dirty="0">
+              <a:solidFill>
+                <a:schemeClr val="accent3">
+                  <a:lumMod val="50000"/>
+                </a:schemeClr>
+              </a:solidFill>
+              <a:cs typeface="Segoe UI" panose="020B0502040204020203" pitchFamily="34" charset="0"/>
+            </a:endParaRPr>
+          </a:p>
+        </p:txBody>
+      </p:sp>
+      <p:grpSp>
+        <p:nvGrpSpPr>
+          <p:cNvPr id="76" name="Gruppieren 75"/>
+          <p:cNvGrpSpPr/>
+          <p:nvPr/>
+        </p:nvGrpSpPr>
+        <p:grpSpPr>
+          <a:xfrm>
+            <a:off x="3403205" y="400231"/>
+            <a:ext cx="67816" cy="76200"/>
+            <a:chOff x="5724128" y="2272484"/>
+            <a:chExt cx="135632" cy="152400"/>
+          </a:xfrm>
+        </p:grpSpPr>
+        <p:cxnSp>
+          <p:nvCxnSpPr>
+            <p:cNvPr id="77" name="Gerade Verbindung 94"/>
+            <p:cNvCxnSpPr/>
+            <p:nvPr/>
+          </p:nvCxnSpPr>
+          <p:spPr>
+            <a:xfrm>
+              <a:off x="5724128" y="2276872"/>
+              <a:ext cx="135632" cy="148012"/>
+            </a:xfrm>
+            <a:prstGeom prst="line">
+              <a:avLst/>
+            </a:prstGeom>
+            <a:ln w="12700">
+              <a:solidFill>
+                <a:schemeClr val="accent3">
+                  <a:lumMod val="50000"/>
+                </a:schemeClr>
+              </a:solidFill>
+            </a:ln>
+          </p:spPr>
+          <p:style>
+            <a:lnRef idx="1">
+              <a:schemeClr val="accent1"/>
+            </a:lnRef>
+            <a:fillRef idx="0">
+              <a:schemeClr val="accent1"/>
+            </a:fillRef>
+            <a:effectRef idx="0">
+              <a:schemeClr val="accent1"/>
+            </a:effectRef>
+            <a:fontRef idx="minor">
+              <a:schemeClr val="tx1"/>
+            </a:fontRef>
+          </p:style>
+        </p:cxnSp>
+        <p:cxnSp>
+          <p:nvCxnSpPr>
+            <p:cNvPr id="78" name="Gerade Verbindung 95"/>
+            <p:cNvCxnSpPr/>
+            <p:nvPr/>
+          </p:nvCxnSpPr>
+          <p:spPr>
+            <a:xfrm flipV="1">
+              <a:off x="5724128" y="2272484"/>
+              <a:ext cx="135632" cy="152400"/>
+            </a:xfrm>
+            <a:prstGeom prst="line">
+              <a:avLst/>
+            </a:prstGeom>
+            <a:ln w="12700">
+              <a:solidFill>
+                <a:schemeClr val="accent3">
+                  <a:lumMod val="50000"/>
+                </a:schemeClr>
+              </a:solidFill>
+            </a:ln>
+          </p:spPr>
+          <p:style>
+            <a:lnRef idx="1">
+              <a:schemeClr val="accent1"/>
+            </a:lnRef>
+            <a:fillRef idx="0">
+              <a:schemeClr val="accent1"/>
+            </a:fillRef>
+            <a:effectRef idx="0">
+              <a:schemeClr val="accent1"/>
+            </a:effectRef>
+            <a:fontRef idx="minor">
+              <a:schemeClr val="tx1"/>
+            </a:fontRef>
+          </p:style>
+        </p:cxnSp>
+      </p:grpSp>
+      <p:sp>
+        <p:nvSpPr>
+          <p:cNvPr id="79" name="Textfeld 78"/>
+          <p:cNvSpPr txBox="1"/>
+          <p:nvPr/>
+        </p:nvSpPr>
+        <p:spPr>
+          <a:xfrm>
+            <a:off x="2301294" y="38562"/>
+            <a:ext cx="3622864" cy="246221"/>
+          </a:xfrm>
+          <a:prstGeom prst="rect">
+            <a:avLst/>
+          </a:prstGeom>
+          <a:noFill/>
+        </p:spPr>
+        <p:txBody>
+          <a:bodyPr wrap="square" rtlCol="0">
+            <a:spAutoFit/>
+          </a:bodyPr>
+          <a:lstStyle/>
+          <a:p>
+            <a:r>
+              <a:rPr lang="de-DE" sz="1000" dirty="0" smtClean="0">
+                <a:cs typeface="Segoe UI Semibold" panose="020B0702040204020203" pitchFamily="34" charset="0"/>
+              </a:rPr>
+              <a:t>Computing </a:t>
+            </a:r>
+            <a:r>
+              <a:rPr lang="de-DE" sz="1000" dirty="0" err="1" smtClean="0">
+                <a:cs typeface="Segoe UI Semibold" panose="020B0702040204020203" pitchFamily="34" charset="0"/>
+              </a:rPr>
+              <a:t>support</a:t>
+            </a:r>
+            <a:r>
+              <a:rPr lang="de-DE" sz="1000" dirty="0" smtClean="0">
+                <a:cs typeface="Segoe UI Semibold" panose="020B0702040204020203" pitchFamily="34" charset="0"/>
+              </a:rPr>
+              <a:t> </a:t>
+            </a:r>
+            <a:r>
+              <a:rPr lang="de-DE" sz="1000" dirty="0" err="1" smtClean="0">
+                <a:cs typeface="Segoe UI Semibold" panose="020B0702040204020203" pitchFamily="34" charset="0"/>
+              </a:rPr>
+              <a:t>points</a:t>
+            </a:r>
+            <a:r>
+              <a:rPr lang="de-DE" sz="1000" dirty="0" smtClean="0">
+                <a:cs typeface="Segoe UI Semibold" panose="020B0702040204020203" pitchFamily="34" charset="0"/>
+              </a:rPr>
+              <a:t> </a:t>
+            </a:r>
+            <a:r>
+              <a:rPr lang="de-DE" sz="1000" dirty="0" err="1" smtClean="0">
+                <a:cs typeface="Segoe UI Semibold" panose="020B0702040204020203" pitchFamily="34" charset="0"/>
+              </a:rPr>
+              <a:t>of</a:t>
+            </a:r>
+            <a:r>
+              <a:rPr lang="de-DE" sz="1000" dirty="0" smtClean="0">
+                <a:cs typeface="Segoe UI Semibold" panose="020B0702040204020203" pitchFamily="34" charset="0"/>
+              </a:rPr>
+              <a:t> a </a:t>
+            </a:r>
+            <a:r>
+              <a:rPr lang="de-DE" sz="1000" dirty="0" err="1" smtClean="0">
+                <a:cs typeface="Segoe UI Semibold" panose="020B0702040204020203" pitchFamily="34" charset="0"/>
+              </a:rPr>
+              <a:t>cubic</a:t>
+            </a:r>
+            <a:r>
+              <a:rPr lang="de-DE" sz="1000" dirty="0" smtClean="0">
+                <a:cs typeface="Segoe UI Semibold" panose="020B0702040204020203" pitchFamily="34" charset="0"/>
+              </a:rPr>
+              <a:t> </a:t>
+            </a:r>
+            <a:r>
+              <a:rPr lang="de-DE" sz="1000" dirty="0" err="1" smtClean="0">
+                <a:cs typeface="Segoe UI Semibold" panose="020B0702040204020203" pitchFamily="34" charset="0"/>
+              </a:rPr>
+              <a:t>bezier</a:t>
+            </a:r>
+            <a:r>
+              <a:rPr lang="de-DE" sz="1000" dirty="0" smtClean="0">
+                <a:cs typeface="Segoe UI Semibold" panose="020B0702040204020203" pitchFamily="34" charset="0"/>
+              </a:rPr>
+              <a:t> </a:t>
+            </a:r>
+            <a:r>
+              <a:rPr lang="de-DE" sz="1000" dirty="0" err="1" smtClean="0">
+                <a:cs typeface="Segoe UI Semibold" panose="020B0702040204020203" pitchFamily="34" charset="0"/>
+              </a:rPr>
+              <a:t>curve</a:t>
+            </a:r>
+            <a:endParaRPr lang="de-DE" sz="1000" dirty="0" smtClean="0">
+              <a:cs typeface="Segoe UI Semibold" panose="020B0702040204020203" pitchFamily="34" charset="0"/>
+            </a:endParaRPr>
+          </a:p>
+        </p:txBody>
+      </p:sp>
     </p:spTree>
     <p:extLst>
       <p:ext uri="{BB962C8B-B14F-4D97-AF65-F5344CB8AC3E}">
@@ -21389,17 +23020,7 @@
                 <a:latin typeface="Segoe UI" panose="020B0502040204020203" pitchFamily="34" charset="0"/>
                 <a:cs typeface="Segoe UI" panose="020B0502040204020203" pitchFamily="34" charset="0"/>
               </a:rPr>
-              <a:t>Realtime </a:t>
-            </a:r>
-            <a:r>
-              <a:rPr lang="de-DE" sz="1050" dirty="0" smtClean="0">
-                <a:solidFill>
-                  <a:schemeClr val="tx1"/>
-                </a:solidFill>
-                <a:latin typeface="Segoe UI" panose="020B0502040204020203" pitchFamily="34" charset="0"/>
-                <a:cs typeface="Segoe UI" panose="020B0502040204020203" pitchFamily="34" charset="0"/>
-              </a:rPr>
-              <a:t>C++</a:t>
+              <a:t>Realtime C++</a:t>
             </a:r>
             <a:endParaRPr lang="de-DE" sz="1050" dirty="0">
               <a:solidFill>
@@ -22251,15 +23872,7 @@
           <a:p>
             <a:r>
               <a:rPr lang="de-DE" sz="1000" dirty="0" smtClean="0"/>
-              <a:t>at </a:t>
-            </a:r>
-            <a:r>
-              <a:rPr lang="de-DE" sz="1000" dirty="0" smtClean="0"/>
-              <a:t>10 </a:t>
-            </a:r>
-            <a:r>
-              <a:rPr lang="de-DE" sz="1000" dirty="0" smtClean="0"/>
-              <a:t>Hz</a:t>
+              <a:t>at 10 Hz</a:t>
             </a:r>
           </a:p>
           <a:p>
@@ -22599,7 +24212,6 @@
               <a:rPr lang="de-DE" sz="1000" dirty="0" smtClean="0"/>
               <a:t> </a:t>
             </a:r>
-            <a:endParaRPr lang="de-DE" sz="1000" dirty="0" smtClean="0"/>
           </a:p>
           <a:p>
             <a:r>
@@ -22732,7 +24344,6 @@
               <a:rPr lang="de-DE" sz="1000" dirty="0" smtClean="0"/>
               <a:t> 100 Hz</a:t>
             </a:r>
-            <a:endParaRPr lang="de-DE" sz="1000" dirty="0" smtClean="0"/>
           </a:p>
         </p:txBody>
       </p:sp>
